--- a/LiveData.pptx
+++ b/LiveData.pptx
@@ -12464,9 +12464,26 @@
                 <a:latin typeface="方正大魏体简体" panose="02000000000000000000" charset="-122"/>
                 <a:ea typeface="方正大魏体简体" panose="02000000000000000000" charset="-122"/>
               </a:rPr>
-              <a:t>基础</a:t>
-            </a:r>
-            <a:endParaRPr lang="zh-CN" altLang="en-US">
+              <a:t>坑</a:t>
+            </a:r>
+            <a:r>
+              <a:rPr lang="en-US" altLang="zh-CN">
+                <a:solidFill>
+                  <a:schemeClr val="bg2"/>
+                </a:solidFill>
+                <a:effectLst>
+                  <a:innerShdw blurRad="63500" dist="50800" dir="13500000">
+                    <a:srgbClr val="000000">
+                      <a:alpha val="50000"/>
+                    </a:srgbClr>
+                  </a:innerShdw>
+                </a:effectLst>
+                <a:latin typeface="方正大魏体简体" panose="02000000000000000000" charset="-122"/>
+                <a:ea typeface="方正大魏体简体" panose="02000000000000000000" charset="-122"/>
+              </a:rPr>
+              <a:t>1</a:t>
+            </a:r>
+            <a:endParaRPr lang="en-US" altLang="zh-CN">
               <a:solidFill>
                 <a:schemeClr val="bg2"/>
               </a:solidFill>
@@ -12479,314 +12496,6 @@
               </a:effectLst>
               <a:latin typeface="方正大魏体简体" panose="02000000000000000000" charset="-122"/>
               <a:ea typeface="方正大魏体简体" panose="02000000000000000000" charset="-122"/>
-            </a:endParaRPr>
-          </a:p>
-        </p:txBody>
-      </p:sp>
-      <p:sp>
-        <p:nvSpPr>
-          <p:cNvPr id="2" name="文本框 1"/>
-          <p:cNvSpPr txBox="1"/>
-          <p:nvPr/>
-        </p:nvSpPr>
-        <p:spPr>
-          <a:xfrm>
-            <a:off x="603250" y="1482725"/>
-            <a:ext cx="10869295" cy="368300"/>
-          </a:xfrm>
-          <a:prstGeom prst="rect">
-            <a:avLst/>
-          </a:prstGeom>
-          <a:noFill/>
-        </p:spPr>
-        <p:txBody>
-          <a:bodyPr wrap="square" rtlCol="0">
-            <a:spAutoFit/>
-            <a:scene3d>
-              <a:camera prst="orthographicFront"/>
-              <a:lightRig rig="threePt" dir="t"/>
-            </a:scene3d>
-          </a:bodyPr>
-          <a:p>
-            <a:pPr marL="285750" indent="-285750">
-              <a:buFont typeface="Arial" panose="020B0604020202020204" pitchFamily="34" charset="0"/>
-              <a:buChar char="•"/>
-            </a:pPr>
-            <a:r>
-              <a:rPr lang="en-US" altLang="zh-CN">
-                <a:solidFill>
-                  <a:schemeClr val="bg2"/>
-                </a:solidFill>
-                <a:effectLst>
-                  <a:innerShdw blurRad="63500" dist="50800" dir="13500000">
-                    <a:srgbClr val="000000">
-                      <a:alpha val="50000"/>
-                    </a:srgbClr>
-                  </a:innerShdw>
-                </a:effectLst>
-                <a:latin typeface="华文新魏" panose="02010800040101010101" charset="-122"/>
-                <a:ea typeface="华文新魏" panose="02010800040101010101" charset="-122"/>
-              </a:rPr>
-              <a:t>6</a:t>
-            </a:r>
-            <a:r>
-              <a:rPr lang="zh-CN" altLang="en-US">
-                <a:solidFill>
-                  <a:schemeClr val="bg2"/>
-                </a:solidFill>
-                <a:effectLst>
-                  <a:innerShdw blurRad="63500" dist="50800" dir="13500000">
-                    <a:srgbClr val="000000">
-                      <a:alpha val="50000"/>
-                    </a:srgbClr>
-                  </a:innerShdw>
-                </a:effectLst>
-                <a:latin typeface="华文新魏" panose="02010800040101010101" charset="-122"/>
-                <a:ea typeface="华文新魏" panose="02010800040101010101" charset="-122"/>
-              </a:rPr>
-              <a:t>、异常处理</a:t>
-            </a:r>
-            <a:endParaRPr lang="zh-CN" altLang="en-US">
-              <a:solidFill>
-                <a:schemeClr val="bg2"/>
-              </a:solidFill>
-              <a:effectLst>
-                <a:innerShdw blurRad="63500" dist="50800" dir="13500000">
-                  <a:srgbClr val="000000">
-                    <a:alpha val="50000"/>
-                  </a:srgbClr>
-                </a:innerShdw>
-              </a:effectLst>
-              <a:latin typeface="华文新魏" panose="02010800040101010101" charset="-122"/>
-              <a:ea typeface="华文新魏" panose="02010800040101010101" charset="-122"/>
-            </a:endParaRPr>
-          </a:p>
-        </p:txBody>
-      </p:sp>
-      <p:sp>
-        <p:nvSpPr>
-          <p:cNvPr id="3" name="文本框 2"/>
-          <p:cNvSpPr txBox="1"/>
-          <p:nvPr/>
-        </p:nvSpPr>
-        <p:spPr>
-          <a:xfrm>
-            <a:off x="698500" y="1923415"/>
-            <a:ext cx="10774045" cy="3692525"/>
-          </a:xfrm>
-          <a:prstGeom prst="rect">
-            <a:avLst/>
-          </a:prstGeom>
-          <a:noFill/>
-        </p:spPr>
-        <p:txBody>
-          <a:bodyPr wrap="square" rtlCol="0">
-            <a:spAutoFit/>
-          </a:bodyPr>
-          <a:p>
-            <a:r>
-              <a:rPr lang="zh-CN" altLang="en-US">
-                <a:solidFill>
-                  <a:schemeClr val="bg2"/>
-                </a:solidFill>
-                <a:effectLst>
-                  <a:innerShdw blurRad="63500" dist="50800" dir="13500000">
-                    <a:srgbClr val="000000">
-                      <a:alpha val="50000"/>
-                    </a:srgbClr>
-                  </a:innerShdw>
-                </a:effectLst>
-                <a:latin typeface="华文新魏" panose="02010800040101010101" charset="-122"/>
-                <a:ea typeface="华文新魏" panose="02010800040101010101" charset="-122"/>
-                <a:cs typeface="华文新魏" panose="02010800040101010101" charset="-122"/>
-              </a:rPr>
-              <a:t>协程构建器有两种形式：自动传播异常（launch 与 actor）或向用户暴露异常（async 与 produce）。 当这些构建器用于创建一个根协程时，即该协程不是另一个协程的子协程， 前者这类构建器将异常视为未捕获异常，类似 Java 的 Thread.uncaughtExceptionHandler， 而后者则依赖用户来最终消费异常，例如通过 await 或 receive</a:t>
-            </a:r>
-            <a:endParaRPr lang="zh-CN" altLang="en-US">
-              <a:solidFill>
-                <a:schemeClr val="bg2"/>
-              </a:solidFill>
-              <a:effectLst>
-                <a:innerShdw blurRad="63500" dist="50800" dir="13500000">
-                  <a:srgbClr val="000000">
-                    <a:alpha val="50000"/>
-                  </a:srgbClr>
-                </a:innerShdw>
-              </a:effectLst>
-              <a:latin typeface="华文新魏" panose="02010800040101010101" charset="-122"/>
-              <a:ea typeface="华文新魏" panose="02010800040101010101" charset="-122"/>
-              <a:cs typeface="华文新魏" panose="02010800040101010101" charset="-122"/>
-            </a:endParaRPr>
-          </a:p>
-          <a:p>
-            <a:endParaRPr lang="zh-CN" altLang="en-US">
-              <a:solidFill>
-                <a:schemeClr val="bg2"/>
-              </a:solidFill>
-              <a:effectLst>
-                <a:innerShdw blurRad="63500" dist="50800" dir="13500000">
-                  <a:srgbClr val="000000">
-                    <a:alpha val="50000"/>
-                  </a:srgbClr>
-                </a:innerShdw>
-              </a:effectLst>
-              <a:latin typeface="华文新魏" panose="02010800040101010101" charset="-122"/>
-              <a:ea typeface="华文新魏" panose="02010800040101010101" charset="-122"/>
-              <a:cs typeface="华文新魏" panose="02010800040101010101" charset="-122"/>
-            </a:endParaRPr>
-          </a:p>
-          <a:p>
-            <a:r>
-              <a:rPr lang="zh-CN" altLang="en-US">
-                <a:solidFill>
-                  <a:schemeClr val="bg2"/>
-                </a:solidFill>
-                <a:effectLst>
-                  <a:innerShdw blurRad="63500" dist="50800" dir="13500000">
-                    <a:srgbClr val="000000">
-                      <a:alpha val="50000"/>
-                    </a:srgbClr>
-                  </a:innerShdw>
-                </a:effectLst>
-                <a:latin typeface="华文新魏" panose="02010800040101010101" charset="-122"/>
-                <a:ea typeface="华文新魏" panose="02010800040101010101" charset="-122"/>
-                <a:cs typeface="华文新魏" panose="02010800040101010101" charset="-122"/>
-              </a:rPr>
-              <a:t>在 JVM 中可以重定义一个全局的异常处理者来将所有的协程通过 ServiceLoader 注册到 CoroutineExceptionHandler。 全局异常处理者就如同 Thread.defaultUncaughtExceptionHandler 一样，在没有更多的指定的异常处理者被注册的时候被使用。 在 Android 中， uncaughtExceptionPreHandler 被设置在全局协程异常处理者中。</a:t>
-            </a:r>
-            <a:endParaRPr lang="zh-CN" altLang="en-US">
-              <a:solidFill>
-                <a:schemeClr val="bg2"/>
-              </a:solidFill>
-              <a:effectLst>
-                <a:innerShdw blurRad="63500" dist="50800" dir="13500000">
-                  <a:srgbClr val="000000">
-                    <a:alpha val="50000"/>
-                  </a:srgbClr>
-                </a:innerShdw>
-              </a:effectLst>
-              <a:latin typeface="华文新魏" panose="02010800040101010101" charset="-122"/>
-              <a:ea typeface="华文新魏" panose="02010800040101010101" charset="-122"/>
-              <a:cs typeface="华文新魏" panose="02010800040101010101" charset="-122"/>
-            </a:endParaRPr>
-          </a:p>
-          <a:p>
-            <a:endParaRPr lang="zh-CN" altLang="en-US">
-              <a:solidFill>
-                <a:schemeClr val="bg2"/>
-              </a:solidFill>
-              <a:effectLst>
-                <a:innerShdw blurRad="63500" dist="50800" dir="13500000">
-                  <a:srgbClr val="000000">
-                    <a:alpha val="50000"/>
-                  </a:srgbClr>
-                </a:innerShdw>
-              </a:effectLst>
-              <a:latin typeface="华文新魏" panose="02010800040101010101" charset="-122"/>
-              <a:ea typeface="华文新魏" panose="02010800040101010101" charset="-122"/>
-              <a:cs typeface="华文新魏" panose="02010800040101010101" charset="-122"/>
-            </a:endParaRPr>
-          </a:p>
-          <a:p>
-            <a:r>
-              <a:rPr lang="zh-CN" altLang="en-US">
-                <a:solidFill>
-                  <a:schemeClr val="accent4">
-                    <a:lumMod val="75000"/>
-                  </a:schemeClr>
-                </a:solidFill>
-                <a:effectLst>
-                  <a:innerShdw blurRad="63500" dist="50800" dir="13500000">
-                    <a:srgbClr val="000000">
-                      <a:alpha val="50000"/>
-                    </a:srgbClr>
-                  </a:innerShdw>
-                </a:effectLst>
-                <a:latin typeface="华文新魏" panose="02010800040101010101" charset="-122"/>
-                <a:ea typeface="华文新魏" panose="02010800040101010101" charset="-122"/>
-                <a:cs typeface="华文新魏" panose="02010800040101010101" charset="-122"/>
-              </a:rPr>
-              <a:t>特别注意：</a:t>
-            </a:r>
-            <a:r>
-              <a:rPr lang="zh-CN" altLang="en-US">
-                <a:solidFill>
-                  <a:schemeClr val="accent4">
-                    <a:lumMod val="75000"/>
-                  </a:schemeClr>
-                </a:solidFill>
-                <a:effectLst>
-                  <a:innerShdw blurRad="63500" dist="50800" dir="13500000">
-                    <a:srgbClr val="000000">
-                      <a:alpha val="50000"/>
-                    </a:srgbClr>
-                  </a:innerShdw>
-                </a:effectLst>
-                <a:latin typeface="华文新魏" panose="02010800040101010101" charset="-122"/>
-                <a:ea typeface="华文新魏" panose="02010800040101010101" charset="-122"/>
-                <a:cs typeface="华文新魏" panose="02010800040101010101" charset="-122"/>
-                <a:sym typeface="+mn-ea"/>
-              </a:rPr>
-              <a:t>async  如果在父协程中启动，则如果他有异常，会直接抛出到父协程中，如果父协程没有处理，则系统会直接抛出异常  </a:t>
-            </a:r>
-            <a:endParaRPr lang="zh-CN" altLang="en-US">
-              <a:solidFill>
-                <a:schemeClr val="accent4">
-                  <a:lumMod val="75000"/>
-                </a:schemeClr>
-              </a:solidFill>
-              <a:effectLst>
-                <a:innerShdw blurRad="63500" dist="50800" dir="13500000">
-                  <a:srgbClr val="000000">
-                    <a:alpha val="50000"/>
-                  </a:srgbClr>
-                </a:innerShdw>
-              </a:effectLst>
-              <a:latin typeface="华文新魏" panose="02010800040101010101" charset="-122"/>
-              <a:ea typeface="华文新魏" panose="02010800040101010101" charset="-122"/>
-              <a:cs typeface="华文新魏" panose="02010800040101010101" charset="-122"/>
-              <a:sym typeface="+mn-ea"/>
-            </a:endParaRPr>
-          </a:p>
-          <a:p>
-            <a:r>
-              <a:rPr lang="zh-CN" altLang="en-US">
-                <a:solidFill>
-                  <a:schemeClr val="accent4">
-                    <a:lumMod val="75000"/>
-                  </a:schemeClr>
-                </a:solidFill>
-                <a:effectLst>
-                  <a:innerShdw blurRad="63500" dist="50800" dir="13500000">
-                    <a:srgbClr val="000000">
-                      <a:alpha val="50000"/>
-                    </a:srgbClr>
-                  </a:innerShdw>
-                </a:effectLst>
-                <a:latin typeface="华文新魏" panose="02010800040101010101" charset="-122"/>
-                <a:ea typeface="华文新魏" panose="02010800040101010101" charset="-122"/>
-                <a:cs typeface="华文新魏" panose="02010800040101010101" charset="-122"/>
-                <a:sym typeface="+mn-ea"/>
-              </a:rPr>
-              <a:t>特殊情况：父协程收到取消时造成的异常CancellationException会被忽略</a:t>
-            </a:r>
-            <a:endParaRPr lang="zh-CN" altLang="en-US">
-              <a:solidFill>
-                <a:schemeClr val="accent4">
-                  <a:lumMod val="75000"/>
-                </a:schemeClr>
-              </a:solidFill>
-              <a:effectLst>
-                <a:innerShdw blurRad="63500" dist="50800" dir="13500000">
-                  <a:srgbClr val="000000">
-                    <a:alpha val="50000"/>
-                  </a:srgbClr>
-                </a:innerShdw>
-              </a:effectLst>
-              <a:latin typeface="华文新魏" panose="02010800040101010101" charset="-122"/>
-              <a:ea typeface="华文新魏" panose="02010800040101010101" charset="-122"/>
-              <a:cs typeface="华文新魏" panose="02010800040101010101" charset="-122"/>
-              <a:sym typeface="+mn-ea"/>
             </a:endParaRPr>
           </a:p>
         </p:txBody>
@@ -12815,6 +12524,1263 @@
           </a:prstGeom>
         </p:spPr>
       </p:pic>
+      <p:sp>
+        <p:nvSpPr>
+          <p:cNvPr id="9" name="内容占位符 2"/>
+          <p:cNvSpPr>
+            <a:spLocks noGrp="1"/>
+          </p:cNvSpPr>
+          <p:nvPr/>
+        </p:nvSpPr>
+        <p:spPr>
+          <a:xfrm>
+            <a:off x="608330" y="1490345"/>
+            <a:ext cx="5506085" cy="4777740"/>
+          </a:xfrm>
+          <a:prstGeom prst="rect">
+            <a:avLst/>
+          </a:prstGeom>
+        </p:spPr>
+        <p:txBody>
+          <a:bodyPr vert="horz" lIns="90000" tIns="46800" rIns="90000" bIns="46800" rtlCol="0">
+            <a:normAutofit fontScale="80000"/>
+          </a:bodyPr>
+          <a:lstStyle>
+            <a:lvl1pPr marL="228600" marR="0" lvl="0" indent="-228600" algn="l" defTabSz="914400" rtl="0" eaLnBrk="1" fontAlgn="auto" latinLnBrk="0" hangingPunct="1">
+              <a:lnSpc>
+                <a:spcPct val="130000"/>
+              </a:lnSpc>
+              <a:spcBef>
+                <a:spcPts val="0"/>
+              </a:spcBef>
+              <a:spcAft>
+                <a:spcPts val="1000"/>
+              </a:spcAft>
+              <a:buFont typeface="Arial" panose="020B0604020202020204" pitchFamily="34" charset="0"/>
+              <a:buChar char="●"/>
+              <a:defRPr kumimoji="0" lang="zh-CN" altLang="en-US" sz="1800" b="0" i="0" u="none" strike="noStrike" kern="1200" cap="none" spc="150" normalizeH="0" baseline="0" noProof="1" dirty="0">
+                <a:solidFill>
+                  <a:schemeClr val="tx1">
+                    <a:lumMod val="65000"/>
+                    <a:lumOff val="35000"/>
+                  </a:schemeClr>
+                </a:solidFill>
+                <a:uFillTx/>
+                <a:latin typeface="Arial" panose="020B0604020202020204" pitchFamily="34" charset="0"/>
+                <a:ea typeface="微软雅黑" panose="020B0503020204020204" pitchFamily="34" charset="-122"/>
+                <a:cs typeface="+mn-cs"/>
+                <a:sym typeface="+mn-ea"/>
+              </a:defRPr>
+            </a:lvl1pPr>
+            <a:lvl2pPr marL="685800" marR="0" lvl="1" indent="-228600" algn="l" defTabSz="914400" rtl="0" eaLnBrk="1" fontAlgn="auto" latinLnBrk="0" hangingPunct="1">
+              <a:lnSpc>
+                <a:spcPct val="120000"/>
+              </a:lnSpc>
+              <a:spcBef>
+                <a:spcPts val="0"/>
+              </a:spcBef>
+              <a:spcAft>
+                <a:spcPts val="600"/>
+              </a:spcAft>
+              <a:buFont typeface="Arial" panose="020B0604020202020204" pitchFamily="34" charset="0"/>
+              <a:buChar char="●"/>
+              <a:tabLst>
+                <a:tab pos="1609725" algn="l"/>
+              </a:tabLst>
+              <a:defRPr kumimoji="0" lang="zh-CN" altLang="en-US" sz="1600" b="0" i="0" u="none" strike="noStrike" kern="1200" cap="none" spc="150" normalizeH="0" baseline="0" noProof="1" dirty="0">
+                <a:solidFill>
+                  <a:schemeClr val="tx1">
+                    <a:lumMod val="65000"/>
+                    <a:lumOff val="35000"/>
+                  </a:schemeClr>
+                </a:solidFill>
+                <a:uFillTx/>
+                <a:latin typeface="Arial" panose="020B0604020202020204" pitchFamily="34" charset="0"/>
+                <a:ea typeface="微软雅黑" panose="020B0503020204020204" pitchFamily="34" charset="-122"/>
+                <a:cs typeface="+mn-cs"/>
+                <a:sym typeface="+mn-ea"/>
+              </a:defRPr>
+            </a:lvl2pPr>
+            <a:lvl3pPr marL="1143000" marR="0" lvl="2" indent="-228600" algn="l" defTabSz="914400" rtl="0" eaLnBrk="1" fontAlgn="auto" latinLnBrk="0" hangingPunct="1">
+              <a:lnSpc>
+                <a:spcPct val="120000"/>
+              </a:lnSpc>
+              <a:spcBef>
+                <a:spcPts val="0"/>
+              </a:spcBef>
+              <a:spcAft>
+                <a:spcPts val="600"/>
+              </a:spcAft>
+              <a:buFont typeface="Arial" panose="020B0604020202020204" pitchFamily="34" charset="0"/>
+              <a:buChar char="●"/>
+              <a:defRPr kumimoji="0" lang="zh-CN" altLang="en-US" sz="1600" b="0" i="0" u="none" strike="noStrike" kern="1200" cap="none" spc="150" normalizeH="0" baseline="0" noProof="1" dirty="0">
+                <a:solidFill>
+                  <a:schemeClr val="tx1">
+                    <a:lumMod val="65000"/>
+                    <a:lumOff val="35000"/>
+                  </a:schemeClr>
+                </a:solidFill>
+                <a:uFillTx/>
+                <a:latin typeface="Arial" panose="020B0604020202020204" pitchFamily="34" charset="0"/>
+                <a:ea typeface="微软雅黑" panose="020B0503020204020204" pitchFamily="34" charset="-122"/>
+                <a:cs typeface="+mn-cs"/>
+                <a:sym typeface="+mn-ea"/>
+              </a:defRPr>
+            </a:lvl3pPr>
+            <a:lvl4pPr marL="1600200" marR="0" lvl="3" indent="-228600" algn="l" defTabSz="914400" rtl="0" eaLnBrk="1" fontAlgn="auto" latinLnBrk="0" hangingPunct="1">
+              <a:lnSpc>
+                <a:spcPct val="120000"/>
+              </a:lnSpc>
+              <a:spcBef>
+                <a:spcPts val="0"/>
+              </a:spcBef>
+              <a:spcAft>
+                <a:spcPts val="300"/>
+              </a:spcAft>
+              <a:buFont typeface="Wingdings" panose="05000000000000000000" charset="0"/>
+              <a:buChar char=""/>
+              <a:defRPr kumimoji="0" lang="zh-CN" altLang="en-US" sz="1400" b="0" i="0" u="none" strike="noStrike" kern="1200" cap="none" spc="150" normalizeH="0" baseline="0" noProof="1" dirty="0">
+                <a:solidFill>
+                  <a:schemeClr val="tx1">
+                    <a:lumMod val="65000"/>
+                    <a:lumOff val="35000"/>
+                  </a:schemeClr>
+                </a:solidFill>
+                <a:uFillTx/>
+                <a:latin typeface="Arial" panose="020B0604020202020204" pitchFamily="34" charset="0"/>
+                <a:ea typeface="微软雅黑" panose="020B0503020204020204" pitchFamily="34" charset="-122"/>
+                <a:cs typeface="+mn-cs"/>
+                <a:sym typeface="+mn-ea"/>
+              </a:defRPr>
+            </a:lvl4pPr>
+            <a:lvl5pPr marL="2057400" marR="0" lvl="4" indent="-228600" algn="l" defTabSz="914400" rtl="0" eaLnBrk="1" fontAlgn="auto" latinLnBrk="0" hangingPunct="1">
+              <a:lnSpc>
+                <a:spcPct val="120000"/>
+              </a:lnSpc>
+              <a:spcBef>
+                <a:spcPts val="0"/>
+              </a:spcBef>
+              <a:spcAft>
+                <a:spcPts val="300"/>
+              </a:spcAft>
+              <a:buFont typeface="Arial" panose="020B0604020202020204" pitchFamily="34" charset="0"/>
+              <a:buChar char="•"/>
+              <a:defRPr kumimoji="0" lang="zh-CN" altLang="en-US" sz="1400" b="0" i="0" u="none" strike="noStrike" kern="1200" cap="none" spc="150" normalizeH="0" baseline="0" noProof="1" dirty="0">
+                <a:solidFill>
+                  <a:schemeClr val="tx1">
+                    <a:lumMod val="65000"/>
+                    <a:lumOff val="35000"/>
+                  </a:schemeClr>
+                </a:solidFill>
+                <a:uFillTx/>
+                <a:latin typeface="Arial" panose="020B0604020202020204" pitchFamily="34" charset="0"/>
+                <a:ea typeface="微软雅黑" panose="020B0503020204020204" pitchFamily="34" charset="-122"/>
+                <a:cs typeface="+mn-cs"/>
+                <a:sym typeface="+mn-ea"/>
+              </a:defRPr>
+            </a:lvl5pPr>
+            <a:lvl6pPr marL="2514600" indent="-228600" algn="l" defTabSz="914400" rtl="0" eaLnBrk="1" latinLnBrk="0" hangingPunct="1">
+              <a:lnSpc>
+                <a:spcPct val="90000"/>
+              </a:lnSpc>
+              <a:spcBef>
+                <a:spcPts val="500"/>
+              </a:spcBef>
+              <a:buFont typeface="Arial" panose="020B0604020202020204" pitchFamily="34" charset="0"/>
+              <a:buChar char="•"/>
+              <a:defRPr sz="1800" kern="1200">
+                <a:solidFill>
+                  <a:schemeClr val="tx1"/>
+                </a:solidFill>
+                <a:latin typeface="+mn-lt"/>
+                <a:ea typeface="+mn-ea"/>
+                <a:cs typeface="+mn-cs"/>
+              </a:defRPr>
+            </a:lvl6pPr>
+            <a:lvl7pPr marL="2971800" indent="-228600" algn="l" defTabSz="914400" rtl="0" eaLnBrk="1" latinLnBrk="0" hangingPunct="1">
+              <a:lnSpc>
+                <a:spcPct val="90000"/>
+              </a:lnSpc>
+              <a:spcBef>
+                <a:spcPts val="500"/>
+              </a:spcBef>
+              <a:buFont typeface="Arial" panose="020B0604020202020204" pitchFamily="34" charset="0"/>
+              <a:buChar char="•"/>
+              <a:defRPr sz="1800" kern="1200">
+                <a:solidFill>
+                  <a:schemeClr val="tx1"/>
+                </a:solidFill>
+                <a:latin typeface="+mn-lt"/>
+                <a:ea typeface="+mn-ea"/>
+                <a:cs typeface="+mn-cs"/>
+              </a:defRPr>
+            </a:lvl7pPr>
+            <a:lvl8pPr marL="3429000" indent="-228600" algn="l" defTabSz="914400" rtl="0" eaLnBrk="1" latinLnBrk="0" hangingPunct="1">
+              <a:lnSpc>
+                <a:spcPct val="90000"/>
+              </a:lnSpc>
+              <a:spcBef>
+                <a:spcPts val="500"/>
+              </a:spcBef>
+              <a:buFont typeface="Arial" panose="020B0604020202020204" pitchFamily="34" charset="0"/>
+              <a:buChar char="•"/>
+              <a:defRPr sz="1800" kern="1200">
+                <a:solidFill>
+                  <a:schemeClr val="tx1"/>
+                </a:solidFill>
+                <a:latin typeface="+mn-lt"/>
+                <a:ea typeface="+mn-ea"/>
+                <a:cs typeface="+mn-cs"/>
+              </a:defRPr>
+            </a:lvl8pPr>
+            <a:lvl9pPr marL="3886200" indent="-228600" algn="l" defTabSz="914400" rtl="0" eaLnBrk="1" latinLnBrk="0" hangingPunct="1">
+              <a:lnSpc>
+                <a:spcPct val="90000"/>
+              </a:lnSpc>
+              <a:spcBef>
+                <a:spcPts val="500"/>
+              </a:spcBef>
+              <a:buFont typeface="Arial" panose="020B0604020202020204" pitchFamily="34" charset="0"/>
+              <a:buChar char="•"/>
+              <a:defRPr sz="1800" kern="1200">
+                <a:solidFill>
+                  <a:schemeClr val="tx1"/>
+                </a:solidFill>
+                <a:latin typeface="+mn-lt"/>
+                <a:ea typeface="+mn-ea"/>
+                <a:cs typeface="+mn-cs"/>
+              </a:defRPr>
+            </a:lvl9pPr>
+          </a:lstStyle>
+          <a:p>
+            <a:pPr>
+              <a:buFont typeface="Wingdings" panose="05000000000000000000" charset="0"/>
+              <a:buChar char="l"/>
+            </a:pPr>
+            <a:r>
+              <a:rPr lang="en-US" altLang="zh-CN">
+                <a:solidFill>
+                  <a:schemeClr val="bg2"/>
+                </a:solidFill>
+                <a:effectLst>
+                  <a:innerShdw blurRad="63500" dist="50800" dir="13500000">
+                    <a:srgbClr val="000000">
+                      <a:alpha val="50000"/>
+                    </a:srgbClr>
+                  </a:innerShdw>
+                </a:effectLst>
+                <a:latin typeface="华文新魏" panose="02010800040101010101" charset="-122"/>
+                <a:ea typeface="华文新魏" panose="02010800040101010101" charset="-122"/>
+              </a:rPr>
+              <a:t>PostValue</a:t>
+            </a:r>
+            <a:r>
+              <a:rPr>
+                <a:solidFill>
+                  <a:schemeClr val="bg2"/>
+                </a:solidFill>
+                <a:effectLst>
+                  <a:innerShdw blurRad="63500" dist="50800" dir="13500000">
+                    <a:srgbClr val="000000">
+                      <a:alpha val="50000"/>
+                    </a:srgbClr>
+                  </a:innerShdw>
+                </a:effectLst>
+                <a:latin typeface="华文新魏" panose="02010800040101010101" charset="-122"/>
+                <a:ea typeface="华文新魏" panose="02010800040101010101" charset="-122"/>
+              </a:rPr>
+              <a:t>数据丢失问题</a:t>
+            </a:r>
+            <a:endParaRPr>
+              <a:solidFill>
+                <a:schemeClr val="bg2"/>
+              </a:solidFill>
+              <a:effectLst>
+                <a:innerShdw blurRad="63500" dist="50800" dir="13500000">
+                  <a:srgbClr val="000000">
+                    <a:alpha val="50000"/>
+                  </a:srgbClr>
+                </a:innerShdw>
+              </a:effectLst>
+              <a:latin typeface="华文新魏" panose="02010800040101010101" charset="-122"/>
+              <a:ea typeface="华文新魏" panose="02010800040101010101" charset="-122"/>
+            </a:endParaRPr>
+          </a:p>
+          <a:p>
+            <a:pPr marL="0" indent="0">
+              <a:buFont typeface="Wingdings" panose="05000000000000000000" charset="0"/>
+              <a:buNone/>
+            </a:pPr>
+            <a:r>
+              <a:rPr altLang="zh-CN">
+                <a:solidFill>
+                  <a:schemeClr val="bg2"/>
+                </a:solidFill>
+                <a:effectLst>
+                  <a:innerShdw blurRad="63500" dist="50800" dir="13500000">
+                    <a:srgbClr val="000000">
+                      <a:alpha val="50000"/>
+                    </a:srgbClr>
+                  </a:innerShdw>
+                </a:effectLst>
+                <a:latin typeface="华文新魏" panose="02010800040101010101" charset="-122"/>
+                <a:ea typeface="华文新魏" panose="02010800040101010101" charset="-122"/>
+              </a:rPr>
+              <a:t>   protected void postValue(T value) {</a:t>
+            </a:r>
+            <a:endParaRPr altLang="zh-CN">
+              <a:solidFill>
+                <a:schemeClr val="bg2"/>
+              </a:solidFill>
+              <a:effectLst>
+                <a:innerShdw blurRad="63500" dist="50800" dir="13500000">
+                  <a:srgbClr val="000000">
+                    <a:alpha val="50000"/>
+                  </a:srgbClr>
+                </a:innerShdw>
+              </a:effectLst>
+              <a:latin typeface="华文新魏" panose="02010800040101010101" charset="-122"/>
+              <a:ea typeface="华文新魏" panose="02010800040101010101" charset="-122"/>
+            </a:endParaRPr>
+          </a:p>
+          <a:p>
+            <a:pPr marL="0" indent="0">
+              <a:buFont typeface="Wingdings" panose="05000000000000000000" charset="0"/>
+              <a:buNone/>
+            </a:pPr>
+            <a:r>
+              <a:rPr altLang="zh-CN">
+                <a:solidFill>
+                  <a:schemeClr val="bg2"/>
+                </a:solidFill>
+                <a:effectLst>
+                  <a:innerShdw blurRad="63500" dist="50800" dir="13500000">
+                    <a:srgbClr val="000000">
+                      <a:alpha val="50000"/>
+                    </a:srgbClr>
+                  </a:innerShdw>
+                </a:effectLst>
+                <a:latin typeface="华文新魏" panose="02010800040101010101" charset="-122"/>
+                <a:ea typeface="华文新魏" panose="02010800040101010101" charset="-122"/>
+              </a:rPr>
+              <a:t>        boolean postTask;</a:t>
+            </a:r>
+            <a:endParaRPr altLang="zh-CN">
+              <a:solidFill>
+                <a:schemeClr val="bg2"/>
+              </a:solidFill>
+              <a:effectLst>
+                <a:innerShdw blurRad="63500" dist="50800" dir="13500000">
+                  <a:srgbClr val="000000">
+                    <a:alpha val="50000"/>
+                  </a:srgbClr>
+                </a:innerShdw>
+              </a:effectLst>
+              <a:latin typeface="华文新魏" panose="02010800040101010101" charset="-122"/>
+              <a:ea typeface="华文新魏" panose="02010800040101010101" charset="-122"/>
+            </a:endParaRPr>
+          </a:p>
+          <a:p>
+            <a:pPr marL="0" indent="0">
+              <a:buFont typeface="Wingdings" panose="05000000000000000000" charset="0"/>
+              <a:buNone/>
+            </a:pPr>
+            <a:r>
+              <a:rPr altLang="zh-CN">
+                <a:solidFill>
+                  <a:schemeClr val="bg2"/>
+                </a:solidFill>
+                <a:effectLst>
+                  <a:innerShdw blurRad="63500" dist="50800" dir="13500000">
+                    <a:srgbClr val="000000">
+                      <a:alpha val="50000"/>
+                    </a:srgbClr>
+                  </a:innerShdw>
+                </a:effectLst>
+                <a:latin typeface="华文新魏" panose="02010800040101010101" charset="-122"/>
+                <a:ea typeface="华文新魏" panose="02010800040101010101" charset="-122"/>
+              </a:rPr>
+              <a:t>        synchronized (mDataLock) {</a:t>
+            </a:r>
+            <a:endParaRPr altLang="zh-CN">
+              <a:solidFill>
+                <a:schemeClr val="bg2"/>
+              </a:solidFill>
+              <a:effectLst>
+                <a:innerShdw blurRad="63500" dist="50800" dir="13500000">
+                  <a:srgbClr val="000000">
+                    <a:alpha val="50000"/>
+                  </a:srgbClr>
+                </a:innerShdw>
+              </a:effectLst>
+              <a:latin typeface="华文新魏" panose="02010800040101010101" charset="-122"/>
+              <a:ea typeface="华文新魏" panose="02010800040101010101" charset="-122"/>
+            </a:endParaRPr>
+          </a:p>
+          <a:p>
+            <a:pPr marL="0" indent="0">
+              <a:buFont typeface="Wingdings" panose="05000000000000000000" charset="0"/>
+              <a:buNone/>
+            </a:pPr>
+            <a:r>
+              <a:rPr altLang="zh-CN">
+                <a:solidFill>
+                  <a:schemeClr val="bg2"/>
+                </a:solidFill>
+                <a:effectLst>
+                  <a:innerShdw blurRad="63500" dist="50800" dir="13500000">
+                    <a:srgbClr val="000000">
+                      <a:alpha val="50000"/>
+                    </a:srgbClr>
+                  </a:innerShdw>
+                </a:effectLst>
+                <a:latin typeface="华文新魏" panose="02010800040101010101" charset="-122"/>
+                <a:ea typeface="华文新魏" panose="02010800040101010101" charset="-122"/>
+              </a:rPr>
+              <a:t>            postTask = mPendingData == NOT_SET;</a:t>
+            </a:r>
+            <a:endParaRPr altLang="zh-CN">
+              <a:solidFill>
+                <a:schemeClr val="bg2"/>
+              </a:solidFill>
+              <a:effectLst>
+                <a:innerShdw blurRad="63500" dist="50800" dir="13500000">
+                  <a:srgbClr val="000000">
+                    <a:alpha val="50000"/>
+                  </a:srgbClr>
+                </a:innerShdw>
+              </a:effectLst>
+              <a:latin typeface="华文新魏" panose="02010800040101010101" charset="-122"/>
+              <a:ea typeface="华文新魏" panose="02010800040101010101" charset="-122"/>
+            </a:endParaRPr>
+          </a:p>
+          <a:p>
+            <a:pPr marL="0" indent="0">
+              <a:buFont typeface="Wingdings" panose="05000000000000000000" charset="0"/>
+              <a:buNone/>
+            </a:pPr>
+            <a:r>
+              <a:rPr altLang="zh-CN">
+                <a:solidFill>
+                  <a:schemeClr val="bg2"/>
+                </a:solidFill>
+                <a:effectLst>
+                  <a:innerShdw blurRad="63500" dist="50800" dir="13500000">
+                    <a:srgbClr val="000000">
+                      <a:alpha val="50000"/>
+                    </a:srgbClr>
+                  </a:innerShdw>
+                </a:effectLst>
+                <a:latin typeface="华文新魏" panose="02010800040101010101" charset="-122"/>
+                <a:ea typeface="华文新魏" panose="02010800040101010101" charset="-122"/>
+              </a:rPr>
+              <a:t>            mPendingData = value;</a:t>
+            </a:r>
+            <a:endParaRPr altLang="zh-CN">
+              <a:solidFill>
+                <a:schemeClr val="bg2"/>
+              </a:solidFill>
+              <a:effectLst>
+                <a:innerShdw blurRad="63500" dist="50800" dir="13500000">
+                  <a:srgbClr val="000000">
+                    <a:alpha val="50000"/>
+                  </a:srgbClr>
+                </a:innerShdw>
+              </a:effectLst>
+              <a:latin typeface="华文新魏" panose="02010800040101010101" charset="-122"/>
+              <a:ea typeface="华文新魏" panose="02010800040101010101" charset="-122"/>
+            </a:endParaRPr>
+          </a:p>
+          <a:p>
+            <a:pPr marL="0" indent="0">
+              <a:buFont typeface="Wingdings" panose="05000000000000000000" charset="0"/>
+              <a:buNone/>
+            </a:pPr>
+            <a:r>
+              <a:rPr altLang="zh-CN">
+                <a:solidFill>
+                  <a:schemeClr val="bg2"/>
+                </a:solidFill>
+                <a:effectLst>
+                  <a:innerShdw blurRad="63500" dist="50800" dir="13500000">
+                    <a:srgbClr val="000000">
+                      <a:alpha val="50000"/>
+                    </a:srgbClr>
+                  </a:innerShdw>
+                </a:effectLst>
+                <a:latin typeface="华文新魏" panose="02010800040101010101" charset="-122"/>
+                <a:ea typeface="华文新魏" panose="02010800040101010101" charset="-122"/>
+              </a:rPr>
+              <a:t>        }</a:t>
+            </a:r>
+            <a:endParaRPr altLang="zh-CN">
+              <a:solidFill>
+                <a:schemeClr val="bg2"/>
+              </a:solidFill>
+              <a:effectLst>
+                <a:innerShdw blurRad="63500" dist="50800" dir="13500000">
+                  <a:srgbClr val="000000">
+                    <a:alpha val="50000"/>
+                  </a:srgbClr>
+                </a:innerShdw>
+              </a:effectLst>
+              <a:latin typeface="华文新魏" panose="02010800040101010101" charset="-122"/>
+              <a:ea typeface="华文新魏" panose="02010800040101010101" charset="-122"/>
+            </a:endParaRPr>
+          </a:p>
+          <a:p>
+            <a:pPr marL="0" indent="0">
+              <a:buFont typeface="Wingdings" panose="05000000000000000000" charset="0"/>
+              <a:buNone/>
+            </a:pPr>
+            <a:r>
+              <a:rPr altLang="zh-CN">
+                <a:solidFill>
+                  <a:schemeClr val="bg2"/>
+                </a:solidFill>
+                <a:effectLst>
+                  <a:innerShdw blurRad="63500" dist="50800" dir="13500000">
+                    <a:srgbClr val="000000">
+                      <a:alpha val="50000"/>
+                    </a:srgbClr>
+                  </a:innerShdw>
+                </a:effectLst>
+                <a:latin typeface="华文新魏" panose="02010800040101010101" charset="-122"/>
+                <a:ea typeface="华文新魏" panose="02010800040101010101" charset="-122"/>
+              </a:rPr>
+              <a:t>        if (!postTask) {</a:t>
+            </a:r>
+            <a:endParaRPr altLang="zh-CN">
+              <a:solidFill>
+                <a:schemeClr val="bg2"/>
+              </a:solidFill>
+              <a:effectLst>
+                <a:innerShdw blurRad="63500" dist="50800" dir="13500000">
+                  <a:srgbClr val="000000">
+                    <a:alpha val="50000"/>
+                  </a:srgbClr>
+                </a:innerShdw>
+              </a:effectLst>
+              <a:latin typeface="华文新魏" panose="02010800040101010101" charset="-122"/>
+              <a:ea typeface="华文新魏" panose="02010800040101010101" charset="-122"/>
+            </a:endParaRPr>
+          </a:p>
+          <a:p>
+            <a:pPr marL="0" indent="0">
+              <a:buFont typeface="Wingdings" panose="05000000000000000000" charset="0"/>
+              <a:buNone/>
+            </a:pPr>
+            <a:r>
+              <a:rPr altLang="zh-CN">
+                <a:solidFill>
+                  <a:schemeClr val="bg2"/>
+                </a:solidFill>
+                <a:effectLst>
+                  <a:innerShdw blurRad="63500" dist="50800" dir="13500000">
+                    <a:srgbClr val="000000">
+                      <a:alpha val="50000"/>
+                    </a:srgbClr>
+                  </a:innerShdw>
+                </a:effectLst>
+                <a:latin typeface="华文新魏" panose="02010800040101010101" charset="-122"/>
+                <a:ea typeface="华文新魏" panose="02010800040101010101" charset="-122"/>
+              </a:rPr>
+              <a:t>            return;</a:t>
+            </a:r>
+            <a:endParaRPr altLang="zh-CN">
+              <a:solidFill>
+                <a:schemeClr val="bg2"/>
+              </a:solidFill>
+              <a:effectLst>
+                <a:innerShdw blurRad="63500" dist="50800" dir="13500000">
+                  <a:srgbClr val="000000">
+                    <a:alpha val="50000"/>
+                  </a:srgbClr>
+                </a:innerShdw>
+              </a:effectLst>
+              <a:latin typeface="华文新魏" panose="02010800040101010101" charset="-122"/>
+              <a:ea typeface="华文新魏" panose="02010800040101010101" charset="-122"/>
+            </a:endParaRPr>
+          </a:p>
+          <a:p>
+            <a:pPr marL="0" indent="0">
+              <a:buFont typeface="Wingdings" panose="05000000000000000000" charset="0"/>
+              <a:buNone/>
+            </a:pPr>
+            <a:r>
+              <a:rPr altLang="zh-CN">
+                <a:solidFill>
+                  <a:schemeClr val="bg2"/>
+                </a:solidFill>
+                <a:effectLst>
+                  <a:innerShdw blurRad="63500" dist="50800" dir="13500000">
+                    <a:srgbClr val="000000">
+                      <a:alpha val="50000"/>
+                    </a:srgbClr>
+                  </a:innerShdw>
+                </a:effectLst>
+                <a:latin typeface="华文新魏" panose="02010800040101010101" charset="-122"/>
+                <a:ea typeface="华文新魏" panose="02010800040101010101" charset="-122"/>
+              </a:rPr>
+              <a:t>        }</a:t>
+            </a:r>
+            <a:endParaRPr altLang="zh-CN">
+              <a:solidFill>
+                <a:schemeClr val="bg2"/>
+              </a:solidFill>
+              <a:effectLst>
+                <a:innerShdw blurRad="63500" dist="50800" dir="13500000">
+                  <a:srgbClr val="000000">
+                    <a:alpha val="50000"/>
+                  </a:srgbClr>
+                </a:innerShdw>
+              </a:effectLst>
+              <a:latin typeface="华文新魏" panose="02010800040101010101" charset="-122"/>
+              <a:ea typeface="华文新魏" panose="02010800040101010101" charset="-122"/>
+            </a:endParaRPr>
+          </a:p>
+          <a:p>
+            <a:pPr marL="0" indent="0">
+              <a:buFont typeface="Wingdings" panose="05000000000000000000" charset="0"/>
+              <a:buNone/>
+            </a:pPr>
+            <a:r>
+              <a:rPr altLang="zh-CN">
+                <a:solidFill>
+                  <a:schemeClr val="bg2"/>
+                </a:solidFill>
+                <a:effectLst>
+                  <a:innerShdw blurRad="63500" dist="50800" dir="13500000">
+                    <a:srgbClr val="000000">
+                      <a:alpha val="50000"/>
+                    </a:srgbClr>
+                  </a:innerShdw>
+                </a:effectLst>
+                <a:latin typeface="华文新魏" panose="02010800040101010101" charset="-122"/>
+                <a:ea typeface="华文新魏" panose="02010800040101010101" charset="-122"/>
+              </a:rPr>
+              <a:t>    }</a:t>
+            </a:r>
+            <a:endParaRPr altLang="zh-CN">
+              <a:solidFill>
+                <a:schemeClr val="bg2"/>
+              </a:solidFill>
+              <a:effectLst>
+                <a:innerShdw blurRad="63500" dist="50800" dir="13500000">
+                  <a:srgbClr val="000000">
+                    <a:alpha val="50000"/>
+                  </a:srgbClr>
+                </a:innerShdw>
+              </a:effectLst>
+              <a:latin typeface="华文新魏" panose="02010800040101010101" charset="-122"/>
+              <a:ea typeface="华文新魏" panose="02010800040101010101" charset="-122"/>
+            </a:endParaRPr>
+          </a:p>
+          <a:p>
+            <a:pPr>
+              <a:buFont typeface="Wingdings" panose="05000000000000000000" charset="0"/>
+              <a:buChar char="l"/>
+            </a:pPr>
+            <a:endParaRPr>
+              <a:solidFill>
+                <a:schemeClr val="bg2"/>
+              </a:solidFill>
+              <a:effectLst>
+                <a:innerShdw blurRad="63500" dist="50800" dir="13500000">
+                  <a:srgbClr val="000000">
+                    <a:alpha val="50000"/>
+                  </a:srgbClr>
+                </a:innerShdw>
+              </a:effectLst>
+              <a:latin typeface="华文新魏" panose="02010800040101010101" charset="-122"/>
+              <a:ea typeface="华文新魏" panose="02010800040101010101" charset="-122"/>
+            </a:endParaRPr>
+          </a:p>
+        </p:txBody>
+      </p:sp>
+      <p:sp>
+        <p:nvSpPr>
+          <p:cNvPr id="10" name="内容占位符 2"/>
+          <p:cNvSpPr>
+            <a:spLocks noGrp="1"/>
+          </p:cNvSpPr>
+          <p:nvPr/>
+        </p:nvSpPr>
+        <p:spPr>
+          <a:xfrm>
+            <a:off x="6256020" y="1598295"/>
+            <a:ext cx="5506085" cy="4777740"/>
+          </a:xfrm>
+          <a:prstGeom prst="rect">
+            <a:avLst/>
+          </a:prstGeom>
+        </p:spPr>
+        <p:txBody>
+          <a:bodyPr vert="horz" lIns="90000" tIns="46800" rIns="90000" bIns="46800" rtlCol="0">
+            <a:normAutofit/>
+          </a:bodyPr>
+          <a:lstStyle>
+            <a:lvl1pPr marL="228600" marR="0" lvl="0" indent="-228600" algn="l" defTabSz="914400" rtl="0" eaLnBrk="1" fontAlgn="auto" latinLnBrk="0" hangingPunct="1">
+              <a:lnSpc>
+                <a:spcPct val="130000"/>
+              </a:lnSpc>
+              <a:spcBef>
+                <a:spcPts val="0"/>
+              </a:spcBef>
+              <a:spcAft>
+                <a:spcPts val="1000"/>
+              </a:spcAft>
+              <a:buFont typeface="Arial" panose="020B0604020202020204" pitchFamily="34" charset="0"/>
+              <a:buChar char="●"/>
+              <a:defRPr kumimoji="0" lang="zh-CN" altLang="en-US" sz="1800" b="0" i="0" u="none" strike="noStrike" kern="1200" cap="none" spc="150" normalizeH="0" baseline="0" noProof="1" dirty="0">
+                <a:solidFill>
+                  <a:schemeClr val="tx1">
+                    <a:lumMod val="65000"/>
+                    <a:lumOff val="35000"/>
+                  </a:schemeClr>
+                </a:solidFill>
+                <a:uFillTx/>
+                <a:latin typeface="Arial" panose="020B0604020202020204" pitchFamily="34" charset="0"/>
+                <a:ea typeface="微软雅黑" panose="020B0503020204020204" pitchFamily="34" charset="-122"/>
+                <a:cs typeface="+mn-cs"/>
+                <a:sym typeface="+mn-ea"/>
+              </a:defRPr>
+            </a:lvl1pPr>
+            <a:lvl2pPr marL="685800" marR="0" lvl="1" indent="-228600" algn="l" defTabSz="914400" rtl="0" eaLnBrk="1" fontAlgn="auto" latinLnBrk="0" hangingPunct="1">
+              <a:lnSpc>
+                <a:spcPct val="120000"/>
+              </a:lnSpc>
+              <a:spcBef>
+                <a:spcPts val="0"/>
+              </a:spcBef>
+              <a:spcAft>
+                <a:spcPts val="600"/>
+              </a:spcAft>
+              <a:buFont typeface="Arial" panose="020B0604020202020204" pitchFamily="34" charset="0"/>
+              <a:buChar char="●"/>
+              <a:tabLst>
+                <a:tab pos="1609725" algn="l"/>
+              </a:tabLst>
+              <a:defRPr kumimoji="0" lang="zh-CN" altLang="en-US" sz="1600" b="0" i="0" u="none" strike="noStrike" kern="1200" cap="none" spc="150" normalizeH="0" baseline="0" noProof="1" dirty="0">
+                <a:solidFill>
+                  <a:schemeClr val="tx1">
+                    <a:lumMod val="65000"/>
+                    <a:lumOff val="35000"/>
+                  </a:schemeClr>
+                </a:solidFill>
+                <a:uFillTx/>
+                <a:latin typeface="Arial" panose="020B0604020202020204" pitchFamily="34" charset="0"/>
+                <a:ea typeface="微软雅黑" panose="020B0503020204020204" pitchFamily="34" charset="-122"/>
+                <a:cs typeface="+mn-cs"/>
+                <a:sym typeface="+mn-ea"/>
+              </a:defRPr>
+            </a:lvl2pPr>
+            <a:lvl3pPr marL="1143000" marR="0" lvl="2" indent="-228600" algn="l" defTabSz="914400" rtl="0" eaLnBrk="1" fontAlgn="auto" latinLnBrk="0" hangingPunct="1">
+              <a:lnSpc>
+                <a:spcPct val="120000"/>
+              </a:lnSpc>
+              <a:spcBef>
+                <a:spcPts val="0"/>
+              </a:spcBef>
+              <a:spcAft>
+                <a:spcPts val="600"/>
+              </a:spcAft>
+              <a:buFont typeface="Arial" panose="020B0604020202020204" pitchFamily="34" charset="0"/>
+              <a:buChar char="●"/>
+              <a:defRPr kumimoji="0" lang="zh-CN" altLang="en-US" sz="1600" b="0" i="0" u="none" strike="noStrike" kern="1200" cap="none" spc="150" normalizeH="0" baseline="0" noProof="1" dirty="0">
+                <a:solidFill>
+                  <a:schemeClr val="tx1">
+                    <a:lumMod val="65000"/>
+                    <a:lumOff val="35000"/>
+                  </a:schemeClr>
+                </a:solidFill>
+                <a:uFillTx/>
+                <a:latin typeface="Arial" panose="020B0604020202020204" pitchFamily="34" charset="0"/>
+                <a:ea typeface="微软雅黑" panose="020B0503020204020204" pitchFamily="34" charset="-122"/>
+                <a:cs typeface="+mn-cs"/>
+                <a:sym typeface="+mn-ea"/>
+              </a:defRPr>
+            </a:lvl3pPr>
+            <a:lvl4pPr marL="1600200" marR="0" lvl="3" indent="-228600" algn="l" defTabSz="914400" rtl="0" eaLnBrk="1" fontAlgn="auto" latinLnBrk="0" hangingPunct="1">
+              <a:lnSpc>
+                <a:spcPct val="120000"/>
+              </a:lnSpc>
+              <a:spcBef>
+                <a:spcPts val="0"/>
+              </a:spcBef>
+              <a:spcAft>
+                <a:spcPts val="300"/>
+              </a:spcAft>
+              <a:buFont typeface="Wingdings" panose="05000000000000000000" charset="0"/>
+              <a:buChar char=""/>
+              <a:defRPr kumimoji="0" lang="zh-CN" altLang="en-US" sz="1400" b="0" i="0" u="none" strike="noStrike" kern="1200" cap="none" spc="150" normalizeH="0" baseline="0" noProof="1" dirty="0">
+                <a:solidFill>
+                  <a:schemeClr val="tx1">
+                    <a:lumMod val="65000"/>
+                    <a:lumOff val="35000"/>
+                  </a:schemeClr>
+                </a:solidFill>
+                <a:uFillTx/>
+                <a:latin typeface="Arial" panose="020B0604020202020204" pitchFamily="34" charset="0"/>
+                <a:ea typeface="微软雅黑" panose="020B0503020204020204" pitchFamily="34" charset="-122"/>
+                <a:cs typeface="+mn-cs"/>
+                <a:sym typeface="+mn-ea"/>
+              </a:defRPr>
+            </a:lvl4pPr>
+            <a:lvl5pPr marL="2057400" marR="0" lvl="4" indent="-228600" algn="l" defTabSz="914400" rtl="0" eaLnBrk="1" fontAlgn="auto" latinLnBrk="0" hangingPunct="1">
+              <a:lnSpc>
+                <a:spcPct val="120000"/>
+              </a:lnSpc>
+              <a:spcBef>
+                <a:spcPts val="0"/>
+              </a:spcBef>
+              <a:spcAft>
+                <a:spcPts val="300"/>
+              </a:spcAft>
+              <a:buFont typeface="Arial" panose="020B0604020202020204" pitchFamily="34" charset="0"/>
+              <a:buChar char="•"/>
+              <a:defRPr kumimoji="0" lang="zh-CN" altLang="en-US" sz="1400" b="0" i="0" u="none" strike="noStrike" kern="1200" cap="none" spc="150" normalizeH="0" baseline="0" noProof="1" dirty="0">
+                <a:solidFill>
+                  <a:schemeClr val="tx1">
+                    <a:lumMod val="65000"/>
+                    <a:lumOff val="35000"/>
+                  </a:schemeClr>
+                </a:solidFill>
+                <a:uFillTx/>
+                <a:latin typeface="Arial" panose="020B0604020202020204" pitchFamily="34" charset="0"/>
+                <a:ea typeface="微软雅黑" panose="020B0503020204020204" pitchFamily="34" charset="-122"/>
+                <a:cs typeface="+mn-cs"/>
+                <a:sym typeface="+mn-ea"/>
+              </a:defRPr>
+            </a:lvl5pPr>
+            <a:lvl6pPr marL="2514600" indent="-228600" algn="l" defTabSz="914400" rtl="0" eaLnBrk="1" latinLnBrk="0" hangingPunct="1">
+              <a:lnSpc>
+                <a:spcPct val="90000"/>
+              </a:lnSpc>
+              <a:spcBef>
+                <a:spcPts val="500"/>
+              </a:spcBef>
+              <a:buFont typeface="Arial" panose="020B0604020202020204" pitchFamily="34" charset="0"/>
+              <a:buChar char="•"/>
+              <a:defRPr sz="1800" kern="1200">
+                <a:solidFill>
+                  <a:schemeClr val="tx1"/>
+                </a:solidFill>
+                <a:latin typeface="+mn-lt"/>
+                <a:ea typeface="+mn-ea"/>
+                <a:cs typeface="+mn-cs"/>
+              </a:defRPr>
+            </a:lvl6pPr>
+            <a:lvl7pPr marL="2971800" indent="-228600" algn="l" defTabSz="914400" rtl="0" eaLnBrk="1" latinLnBrk="0" hangingPunct="1">
+              <a:lnSpc>
+                <a:spcPct val="90000"/>
+              </a:lnSpc>
+              <a:spcBef>
+                <a:spcPts val="500"/>
+              </a:spcBef>
+              <a:buFont typeface="Arial" panose="020B0604020202020204" pitchFamily="34" charset="0"/>
+              <a:buChar char="•"/>
+              <a:defRPr sz="1800" kern="1200">
+                <a:solidFill>
+                  <a:schemeClr val="tx1"/>
+                </a:solidFill>
+                <a:latin typeface="+mn-lt"/>
+                <a:ea typeface="+mn-ea"/>
+                <a:cs typeface="+mn-cs"/>
+              </a:defRPr>
+            </a:lvl7pPr>
+            <a:lvl8pPr marL="3429000" indent="-228600" algn="l" defTabSz="914400" rtl="0" eaLnBrk="1" latinLnBrk="0" hangingPunct="1">
+              <a:lnSpc>
+                <a:spcPct val="90000"/>
+              </a:lnSpc>
+              <a:spcBef>
+                <a:spcPts val="500"/>
+              </a:spcBef>
+              <a:buFont typeface="Arial" panose="020B0604020202020204" pitchFamily="34" charset="0"/>
+              <a:buChar char="•"/>
+              <a:defRPr sz="1800" kern="1200">
+                <a:solidFill>
+                  <a:schemeClr val="tx1"/>
+                </a:solidFill>
+                <a:latin typeface="+mn-lt"/>
+                <a:ea typeface="+mn-ea"/>
+                <a:cs typeface="+mn-cs"/>
+              </a:defRPr>
+            </a:lvl8pPr>
+            <a:lvl9pPr marL="3886200" indent="-228600" algn="l" defTabSz="914400" rtl="0" eaLnBrk="1" latinLnBrk="0" hangingPunct="1">
+              <a:lnSpc>
+                <a:spcPct val="90000"/>
+              </a:lnSpc>
+              <a:spcBef>
+                <a:spcPts val="500"/>
+              </a:spcBef>
+              <a:buFont typeface="Arial" panose="020B0604020202020204" pitchFamily="34" charset="0"/>
+              <a:buChar char="•"/>
+              <a:defRPr sz="1800" kern="1200">
+                <a:solidFill>
+                  <a:schemeClr val="tx1"/>
+                </a:solidFill>
+                <a:latin typeface="+mn-lt"/>
+                <a:ea typeface="+mn-ea"/>
+                <a:cs typeface="+mn-cs"/>
+              </a:defRPr>
+            </a:lvl9pPr>
+          </a:lstStyle>
+          <a:p>
+            <a:pPr marL="0" indent="0">
+              <a:buFont typeface="Wingdings" panose="05000000000000000000" charset="0"/>
+              <a:buNone/>
+            </a:pPr>
+            <a:r>
+              <a:rPr>
+                <a:solidFill>
+                  <a:schemeClr val="bg2"/>
+                </a:solidFill>
+                <a:effectLst>
+                  <a:innerShdw blurRad="63500" dist="50800" dir="13500000">
+                    <a:srgbClr val="000000">
+                      <a:alpha val="50000"/>
+                    </a:srgbClr>
+                  </a:innerShdw>
+                </a:effectLst>
+                <a:latin typeface="华文新魏" panose="02010800040101010101" charset="-122"/>
+                <a:ea typeface="华文新魏" panose="02010800040101010101" charset="-122"/>
+              </a:rPr>
+              <a:t>并发时如果上一次消息没有被消费，此时再</a:t>
+            </a:r>
+            <a:r>
+              <a:rPr>
+                <a:solidFill>
+                  <a:schemeClr val="bg2"/>
+                </a:solidFill>
+                <a:effectLst>
+                  <a:innerShdw blurRad="63500" dist="50800" dir="13500000">
+                    <a:srgbClr val="000000">
+                      <a:alpha val="50000"/>
+                    </a:srgbClr>
+                  </a:innerShdw>
+                </a:effectLst>
+                <a:latin typeface="华文新魏" panose="02010800040101010101" charset="-122"/>
+                <a:ea typeface="华文新魏" panose="02010800040101010101" charset="-122"/>
+              </a:rPr>
+              <a:t>进行发送事件就会导致数据丢失</a:t>
+            </a:r>
+            <a:endParaRPr>
+              <a:solidFill>
+                <a:schemeClr val="bg2"/>
+              </a:solidFill>
+              <a:effectLst>
+                <a:innerShdw blurRad="63500" dist="50800" dir="13500000">
+                  <a:srgbClr val="000000">
+                    <a:alpha val="50000"/>
+                  </a:srgbClr>
+                </a:innerShdw>
+              </a:effectLst>
+              <a:latin typeface="华文新魏" panose="02010800040101010101" charset="-122"/>
+              <a:ea typeface="华文新魏" panose="02010800040101010101" charset="-122"/>
+            </a:endParaRPr>
+          </a:p>
+          <a:p>
+            <a:pPr marL="0" indent="0">
+              <a:buFont typeface="Wingdings" panose="05000000000000000000" charset="0"/>
+              <a:buNone/>
+            </a:pPr>
+            <a:r>
+              <a:rPr>
+                <a:solidFill>
+                  <a:schemeClr val="bg2"/>
+                </a:solidFill>
+                <a:effectLst>
+                  <a:innerShdw blurRad="63500" dist="50800" dir="13500000">
+                    <a:srgbClr val="000000">
+                      <a:alpha val="50000"/>
+                    </a:srgbClr>
+                  </a:innerShdw>
+                </a:effectLst>
+                <a:latin typeface="华文新魏" panose="02010800040101010101" charset="-122"/>
+                <a:ea typeface="华文新魏" panose="02010800040101010101" charset="-122"/>
+              </a:rPr>
+              <a:t>  public void run() {</a:t>
+            </a:r>
+            <a:endParaRPr>
+              <a:solidFill>
+                <a:schemeClr val="bg2"/>
+              </a:solidFill>
+              <a:effectLst>
+                <a:innerShdw blurRad="63500" dist="50800" dir="13500000">
+                  <a:srgbClr val="000000">
+                    <a:alpha val="50000"/>
+                  </a:srgbClr>
+                </a:innerShdw>
+              </a:effectLst>
+              <a:latin typeface="华文新魏" panose="02010800040101010101" charset="-122"/>
+              <a:ea typeface="华文新魏" panose="02010800040101010101" charset="-122"/>
+            </a:endParaRPr>
+          </a:p>
+          <a:p>
+            <a:pPr marL="0" indent="0">
+              <a:buFont typeface="Wingdings" panose="05000000000000000000" charset="0"/>
+              <a:buNone/>
+            </a:pPr>
+            <a:r>
+              <a:rPr>
+                <a:solidFill>
+                  <a:schemeClr val="bg2"/>
+                </a:solidFill>
+                <a:effectLst>
+                  <a:innerShdw blurRad="63500" dist="50800" dir="13500000">
+                    <a:srgbClr val="000000">
+                      <a:alpha val="50000"/>
+                    </a:srgbClr>
+                  </a:innerShdw>
+                </a:effectLst>
+                <a:latin typeface="华文新魏" panose="02010800040101010101" charset="-122"/>
+                <a:ea typeface="华文新魏" panose="02010800040101010101" charset="-122"/>
+              </a:rPr>
+              <a:t>     Object newValue;</a:t>
+            </a:r>
+            <a:endParaRPr>
+              <a:solidFill>
+                <a:schemeClr val="bg2"/>
+              </a:solidFill>
+              <a:effectLst>
+                <a:innerShdw blurRad="63500" dist="50800" dir="13500000">
+                  <a:srgbClr val="000000">
+                    <a:alpha val="50000"/>
+                  </a:srgbClr>
+                </a:innerShdw>
+              </a:effectLst>
+              <a:latin typeface="华文新魏" panose="02010800040101010101" charset="-122"/>
+              <a:ea typeface="华文新魏" panose="02010800040101010101" charset="-122"/>
+            </a:endParaRPr>
+          </a:p>
+          <a:p>
+            <a:pPr marL="0" indent="0">
+              <a:buFont typeface="Wingdings" panose="05000000000000000000" charset="0"/>
+              <a:buNone/>
+            </a:pPr>
+            <a:r>
+              <a:rPr>
+                <a:solidFill>
+                  <a:schemeClr val="bg2"/>
+                </a:solidFill>
+                <a:effectLst>
+                  <a:innerShdw blurRad="63500" dist="50800" dir="13500000">
+                    <a:srgbClr val="000000">
+                      <a:alpha val="50000"/>
+                    </a:srgbClr>
+                  </a:innerShdw>
+                </a:effectLst>
+                <a:latin typeface="华文新魏" panose="02010800040101010101" charset="-122"/>
+                <a:ea typeface="华文新魏" panose="02010800040101010101" charset="-122"/>
+              </a:rPr>
+              <a:t>      synchronized (mDataLock) {</a:t>
+            </a:r>
+            <a:endParaRPr>
+              <a:solidFill>
+                <a:schemeClr val="bg2"/>
+              </a:solidFill>
+              <a:effectLst>
+                <a:innerShdw blurRad="63500" dist="50800" dir="13500000">
+                  <a:srgbClr val="000000">
+                    <a:alpha val="50000"/>
+                  </a:srgbClr>
+                </a:innerShdw>
+              </a:effectLst>
+              <a:latin typeface="华文新魏" panose="02010800040101010101" charset="-122"/>
+              <a:ea typeface="华文新魏" panose="02010800040101010101" charset="-122"/>
+            </a:endParaRPr>
+          </a:p>
+          <a:p>
+            <a:pPr marL="0" indent="0">
+              <a:buFont typeface="Wingdings" panose="05000000000000000000" charset="0"/>
+              <a:buNone/>
+            </a:pPr>
+            <a:r>
+              <a:rPr>
+                <a:solidFill>
+                  <a:schemeClr val="bg2"/>
+                </a:solidFill>
+                <a:effectLst>
+                  <a:innerShdw blurRad="63500" dist="50800" dir="13500000">
+                    <a:srgbClr val="000000">
+                      <a:alpha val="50000"/>
+                    </a:srgbClr>
+                  </a:innerShdw>
+                </a:effectLst>
+                <a:latin typeface="华文新魏" panose="02010800040101010101" charset="-122"/>
+                <a:ea typeface="华文新魏" panose="02010800040101010101" charset="-122"/>
+              </a:rPr>
+              <a:t>            newValue = mPendingData;</a:t>
+            </a:r>
+            <a:endParaRPr>
+              <a:solidFill>
+                <a:schemeClr val="bg2"/>
+              </a:solidFill>
+              <a:effectLst>
+                <a:innerShdw blurRad="63500" dist="50800" dir="13500000">
+                  <a:srgbClr val="000000">
+                    <a:alpha val="50000"/>
+                  </a:srgbClr>
+                </a:innerShdw>
+              </a:effectLst>
+              <a:latin typeface="华文新魏" panose="02010800040101010101" charset="-122"/>
+              <a:ea typeface="华文新魏" panose="02010800040101010101" charset="-122"/>
+            </a:endParaRPr>
+          </a:p>
+          <a:p>
+            <a:pPr marL="0" indent="0">
+              <a:buFont typeface="Wingdings" panose="05000000000000000000" charset="0"/>
+              <a:buNone/>
+            </a:pPr>
+            <a:r>
+              <a:rPr>
+                <a:solidFill>
+                  <a:schemeClr val="bg2"/>
+                </a:solidFill>
+                <a:effectLst>
+                  <a:innerShdw blurRad="63500" dist="50800" dir="13500000">
+                    <a:srgbClr val="000000">
+                      <a:alpha val="50000"/>
+                    </a:srgbClr>
+                  </a:innerShdw>
+                </a:effectLst>
+                <a:latin typeface="华文新魏" panose="02010800040101010101" charset="-122"/>
+                <a:ea typeface="华文新魏" panose="02010800040101010101" charset="-122"/>
+              </a:rPr>
+              <a:t>            mPendingData = NOT_SET;</a:t>
+            </a:r>
+            <a:endParaRPr>
+              <a:solidFill>
+                <a:schemeClr val="bg2"/>
+              </a:solidFill>
+              <a:effectLst>
+                <a:innerShdw blurRad="63500" dist="50800" dir="13500000">
+                  <a:srgbClr val="000000">
+                    <a:alpha val="50000"/>
+                  </a:srgbClr>
+                </a:innerShdw>
+              </a:effectLst>
+              <a:latin typeface="华文新魏" panose="02010800040101010101" charset="-122"/>
+              <a:ea typeface="华文新魏" panose="02010800040101010101" charset="-122"/>
+            </a:endParaRPr>
+          </a:p>
+          <a:p>
+            <a:pPr marL="0" indent="0">
+              <a:buFont typeface="Wingdings" panose="05000000000000000000" charset="0"/>
+              <a:buNone/>
+            </a:pPr>
+            <a:r>
+              <a:rPr>
+                <a:solidFill>
+                  <a:schemeClr val="bg2"/>
+                </a:solidFill>
+                <a:effectLst>
+                  <a:innerShdw blurRad="63500" dist="50800" dir="13500000">
+                    <a:srgbClr val="000000">
+                      <a:alpha val="50000"/>
+                    </a:srgbClr>
+                  </a:innerShdw>
+                </a:effectLst>
+                <a:latin typeface="华文新魏" panose="02010800040101010101" charset="-122"/>
+                <a:ea typeface="华文新魏" panose="02010800040101010101" charset="-122"/>
+              </a:rPr>
+              <a:t>       }</a:t>
+            </a:r>
+            <a:endParaRPr>
+              <a:solidFill>
+                <a:schemeClr val="bg2"/>
+              </a:solidFill>
+              <a:effectLst>
+                <a:innerShdw blurRad="63500" dist="50800" dir="13500000">
+                  <a:srgbClr val="000000">
+                    <a:alpha val="50000"/>
+                  </a:srgbClr>
+                </a:innerShdw>
+              </a:effectLst>
+              <a:latin typeface="华文新魏" panose="02010800040101010101" charset="-122"/>
+              <a:ea typeface="华文新魏" panose="02010800040101010101" charset="-122"/>
+            </a:endParaRPr>
+          </a:p>
+          <a:p>
+            <a:pPr marL="0" indent="0">
+              <a:buFont typeface="Wingdings" panose="05000000000000000000" charset="0"/>
+              <a:buNone/>
+            </a:pPr>
+            <a:r>
+              <a:rPr>
+                <a:solidFill>
+                  <a:schemeClr val="bg2"/>
+                </a:solidFill>
+                <a:effectLst>
+                  <a:innerShdw blurRad="63500" dist="50800" dir="13500000">
+                    <a:srgbClr val="000000">
+                      <a:alpha val="50000"/>
+                    </a:srgbClr>
+                  </a:innerShdw>
+                </a:effectLst>
+                <a:latin typeface="华文新魏" panose="02010800040101010101" charset="-122"/>
+                <a:ea typeface="华文新魏" panose="02010800040101010101" charset="-122"/>
+              </a:rPr>
+              <a:t>   }</a:t>
+            </a:r>
+            <a:endParaRPr>
+              <a:solidFill>
+                <a:schemeClr val="bg2"/>
+              </a:solidFill>
+              <a:effectLst>
+                <a:innerShdw blurRad="63500" dist="50800" dir="13500000">
+                  <a:srgbClr val="000000">
+                    <a:alpha val="50000"/>
+                  </a:srgbClr>
+                </a:innerShdw>
+              </a:effectLst>
+              <a:latin typeface="华文新魏" panose="02010800040101010101" charset="-122"/>
+              <a:ea typeface="华文新魏" panose="02010800040101010101" charset="-122"/>
+            </a:endParaRPr>
+          </a:p>
+          <a:p>
+            <a:pPr marL="0" indent="0">
+              <a:buFont typeface="Wingdings" panose="05000000000000000000" charset="0"/>
+              <a:buNone/>
+            </a:pPr>
+            <a:endParaRPr>
+              <a:solidFill>
+                <a:schemeClr val="bg2"/>
+              </a:solidFill>
+              <a:effectLst>
+                <a:innerShdw blurRad="63500" dist="50800" dir="13500000">
+                  <a:srgbClr val="000000">
+                    <a:alpha val="50000"/>
+                  </a:srgbClr>
+                </a:innerShdw>
+              </a:effectLst>
+              <a:latin typeface="华文新魏" panose="02010800040101010101" charset="-122"/>
+              <a:ea typeface="华文新魏" panose="02010800040101010101" charset="-122"/>
+            </a:endParaRPr>
+          </a:p>
+          <a:p>
+            <a:pPr marL="0" indent="0">
+              <a:buFont typeface="Wingdings" panose="05000000000000000000" charset="0"/>
+              <a:buNone/>
+            </a:pPr>
+            <a:endParaRPr>
+              <a:solidFill>
+                <a:schemeClr val="bg2"/>
+              </a:solidFill>
+              <a:effectLst>
+                <a:innerShdw blurRad="63500" dist="50800" dir="13500000">
+                  <a:srgbClr val="000000">
+                    <a:alpha val="50000"/>
+                  </a:srgbClr>
+                </a:innerShdw>
+              </a:effectLst>
+              <a:latin typeface="华文新魏" panose="02010800040101010101" charset="-122"/>
+              <a:ea typeface="华文新魏" panose="02010800040101010101" charset="-122"/>
+            </a:endParaRPr>
+          </a:p>
+        </p:txBody>
+      </p:sp>
     </p:spTree>
     <p:custDataLst>
       <p:tags r:id="rId2"/>
@@ -12925,9 +13891,26 @@
                 <a:latin typeface="方正大魏体简体" panose="02000000000000000000" charset="-122"/>
                 <a:ea typeface="方正大魏体简体" panose="02000000000000000000" charset="-122"/>
               </a:rPr>
-              <a:t>基础</a:t>
-            </a:r>
-            <a:endParaRPr lang="zh-CN" altLang="en-US">
+              <a:t>坑</a:t>
+            </a:r>
+            <a:r>
+              <a:rPr lang="en-US" altLang="zh-CN">
+                <a:solidFill>
+                  <a:schemeClr val="bg2"/>
+                </a:solidFill>
+                <a:effectLst>
+                  <a:innerShdw blurRad="63500" dist="50800" dir="13500000">
+                    <a:srgbClr val="000000">
+                      <a:alpha val="50000"/>
+                    </a:srgbClr>
+                  </a:innerShdw>
+                </a:effectLst>
+                <a:latin typeface="方正大魏体简体" panose="02000000000000000000" charset="-122"/>
+                <a:ea typeface="方正大魏体简体" panose="02000000000000000000" charset="-122"/>
+              </a:rPr>
+              <a:t>2</a:t>
+            </a:r>
+            <a:endParaRPr lang="en-US" altLang="zh-CN">
               <a:solidFill>
                 <a:schemeClr val="bg2"/>
               </a:solidFill>
@@ -12946,14 +13929,14 @@
       </p:sp>
       <p:sp>
         <p:nvSpPr>
-          <p:cNvPr id="2" name="文本框 1"/>
+          <p:cNvPr id="3" name="文本框 2"/>
           <p:cNvSpPr txBox="1"/>
           <p:nvPr/>
         </p:nvSpPr>
         <p:spPr>
           <a:xfrm>
-            <a:off x="603250" y="1482725"/>
-            <a:ext cx="10869295" cy="368300"/>
+            <a:off x="612140" y="1426210"/>
+            <a:ext cx="6518275" cy="2030095"/>
           </a:xfrm>
           <a:prstGeom prst="rect">
             <a:avLst/>
@@ -12969,27 +13952,6 @@
             </a:scene3d>
           </a:bodyPr>
           <a:p>
-            <a:pPr marL="285750" indent="-285750">
-              <a:buFont typeface="Arial" panose="020B0604020202020204" pitchFamily="34" charset="0"/>
-              <a:buChar char="•"/>
-            </a:pPr>
-            <a:r>
-              <a:rPr lang="en-US" altLang="zh-CN">
-                <a:solidFill>
-                  <a:schemeClr val="bg2"/>
-                </a:solidFill>
-                <a:effectLst>
-                  <a:innerShdw blurRad="63500" dist="50800" dir="13500000">
-                    <a:srgbClr val="000000">
-                      <a:alpha val="50000"/>
-                    </a:srgbClr>
-                  </a:innerShdw>
-                </a:effectLst>
-                <a:latin typeface="华文新魏" panose="02010800040101010101" charset="-122"/>
-                <a:ea typeface="华文新魏" panose="02010800040101010101" charset="-122"/>
-              </a:rPr>
-              <a:t>6</a:t>
-            </a:r>
             <a:r>
               <a:rPr lang="zh-CN" altLang="en-US">
                 <a:solidFill>
@@ -13004,68 +13966,9 @@
                 </a:effectLst>
                 <a:latin typeface="华文新魏" panose="02010800040101010101" charset="-122"/>
                 <a:ea typeface="华文新魏" panose="02010800040101010101" charset="-122"/>
-              </a:rPr>
-              <a:t>、异常处理</a:t>
-            </a:r>
-            <a:endParaRPr lang="zh-CN" altLang="en-US">
-              <a:solidFill>
-                <a:schemeClr val="bg2"/>
-              </a:solidFill>
-              <a:effectLst>
-                <a:innerShdw blurRad="63500" dist="50800" dir="13500000">
-                  <a:srgbClr val="000000">
-                    <a:alpha val="50000"/>
-                  </a:srgbClr>
-                </a:innerShdw>
-              </a:effectLst>
-              <a:latin typeface="华文新魏" panose="02010800040101010101" charset="-122"/>
-              <a:ea typeface="华文新魏" panose="02010800040101010101" charset="-122"/>
-            </a:endParaRPr>
-          </a:p>
-        </p:txBody>
-      </p:sp>
-      <p:sp>
-        <p:nvSpPr>
-          <p:cNvPr id="3" name="文本框 2"/>
-          <p:cNvSpPr txBox="1"/>
-          <p:nvPr/>
-        </p:nvSpPr>
-        <p:spPr>
-          <a:xfrm>
-            <a:off x="650875" y="1933575"/>
-            <a:ext cx="6479540" cy="4246245"/>
-          </a:xfrm>
-          <a:prstGeom prst="rect">
-            <a:avLst/>
-          </a:prstGeom>
-          <a:noFill/>
-        </p:spPr>
-        <p:txBody>
-          <a:bodyPr wrap="square" rtlCol="0">
-            <a:spAutoFit/>
-            <a:scene3d>
-              <a:camera prst="orthographicFront"/>
-              <a:lightRig rig="threePt" dir="t"/>
-            </a:scene3d>
-          </a:bodyPr>
-          <a:p>
-            <a:r>
-              <a:rPr lang="zh-CN" altLang="en-US">
-                <a:solidFill>
-                  <a:schemeClr val="bg2"/>
-                </a:solidFill>
-                <a:effectLst>
-                  <a:innerShdw blurRad="63500" dist="50800" dir="13500000">
-                    <a:srgbClr val="000000">
-                      <a:alpha val="50000"/>
-                    </a:srgbClr>
-                  </a:innerShdw>
-                </a:effectLst>
-                <a:latin typeface="华文新魏" panose="02010800040101010101" charset="-122"/>
-                <a:ea typeface="华文新魏" panose="02010800040101010101" charset="-122"/>
                 <a:cs typeface="华文新魏" panose="02010800040101010101" charset="-122"/>
               </a:rPr>
-              <a:t>每个协程可以单独设置异常处理</a:t>
+              <a:t>fun btnClick(view: View) {</a:t>
             </a:r>
             <a:endParaRPr lang="zh-CN" altLang="en-US">
               <a:solidFill>
@@ -13084,6 +13987,24 @@
             </a:endParaRPr>
           </a:p>
           <a:p>
+            <a:r>
+              <a:rPr lang="zh-CN" altLang="en-US">
+                <a:solidFill>
+                  <a:schemeClr val="bg2"/>
+                </a:solidFill>
+                <a:effectLst>
+                  <a:innerShdw blurRad="63500" dist="50800" dir="13500000">
+                    <a:srgbClr val="000000">
+                      <a:alpha val="50000"/>
+                    </a:srgbClr>
+                  </a:innerShdw>
+                </a:effectLst>
+                <a:latin typeface="华文新魏" panose="02010800040101010101" charset="-122"/>
+                <a:ea typeface="华文新魏" panose="02010800040101010101" charset="-122"/>
+                <a:cs typeface="华文新魏" panose="02010800040101010101" charset="-122"/>
+              </a:rPr>
+              <a:t>        mModel?.currentName?.observe(this, Observer {</a:t>
+            </a:r>
             <a:endParaRPr lang="zh-CN" altLang="en-US">
               <a:solidFill>
                 <a:schemeClr val="bg2"/>
@@ -13117,7 +14038,7 @@
                 <a:ea typeface="华文新魏" panose="02010800040101010101" charset="-122"/>
                 <a:cs typeface="华文新魏" panose="02010800040101010101" charset="-122"/>
               </a:rPr>
-              <a:t>fun main() = runBlocking {</a:t>
+              <a:t>            Log.e("WT","消费$it")</a:t>
             </a:r>
             <a:endParaRPr lang="zh-CN" altLang="en-US">
               <a:solidFill>
@@ -13152,7 +14073,7 @@
                 <a:ea typeface="华文新魏" panose="02010800040101010101" charset="-122"/>
                 <a:cs typeface="华文新魏" panose="02010800040101010101" charset="-122"/>
               </a:rPr>
-              <a:t>    val handler = CoroutineExceptionHandler { _, exception -&gt; </a:t>
+              <a:t>            tvName.text = it</a:t>
             </a:r>
             <a:endParaRPr lang="zh-CN" altLang="en-US">
               <a:solidFill>
@@ -13187,7 +14108,7 @@
                 <a:ea typeface="华文新魏" panose="02010800040101010101" charset="-122"/>
                 <a:cs typeface="华文新魏" panose="02010800040101010101" charset="-122"/>
               </a:rPr>
-              <a:t>        println("CoroutineExceptionHandler got $exception") </a:t>
+              <a:t>        })</a:t>
             </a:r>
             <a:endParaRPr lang="zh-CN" altLang="en-US">
               <a:solidFill>
@@ -13222,7 +14143,7 @@
                 <a:ea typeface="华文新魏" panose="02010800040101010101" charset="-122"/>
                 <a:cs typeface="华文新魏" panose="02010800040101010101" charset="-122"/>
               </a:rPr>
-              <a:t>    }</a:t>
+              <a:t>        mModel?.currentName?.value = "Hello LiveDta"</a:t>
             </a:r>
             <a:endParaRPr lang="zh-CN" altLang="en-US">
               <a:solidFill>
@@ -13257,396 +14178,7 @@
                 <a:ea typeface="华文新魏" panose="02010800040101010101" charset="-122"/>
                 <a:cs typeface="华文新魏" panose="02010800040101010101" charset="-122"/>
               </a:rPr>
-              <a:t>    supervisorScope {</a:t>
-            </a:r>
-            <a:endParaRPr lang="zh-CN" altLang="en-US">
-              <a:solidFill>
-                <a:schemeClr val="bg2"/>
-              </a:solidFill>
-              <a:effectLst>
-                <a:innerShdw blurRad="63500" dist="50800" dir="13500000">
-                  <a:srgbClr val="000000">
-                    <a:alpha val="50000"/>
-                  </a:srgbClr>
-                </a:innerShdw>
-              </a:effectLst>
-              <a:latin typeface="华文新魏" panose="02010800040101010101" charset="-122"/>
-              <a:ea typeface="华文新魏" panose="02010800040101010101" charset="-122"/>
-              <a:cs typeface="华文新魏" panose="02010800040101010101" charset="-122"/>
-            </a:endParaRPr>
-          </a:p>
-          <a:p>
-            <a:r>
-              <a:rPr lang="zh-CN" altLang="en-US">
-                <a:solidFill>
-                  <a:schemeClr val="bg2"/>
-                </a:solidFill>
-                <a:effectLst>
-                  <a:innerShdw blurRad="63500" dist="50800" dir="13500000">
-                    <a:srgbClr val="000000">
-                      <a:alpha val="50000"/>
-                    </a:srgbClr>
-                  </a:innerShdw>
-                </a:effectLst>
-                <a:latin typeface="华文新魏" panose="02010800040101010101" charset="-122"/>
-                <a:ea typeface="华文新魏" panose="02010800040101010101" charset="-122"/>
-                <a:cs typeface="华文新魏" panose="02010800040101010101" charset="-122"/>
-              </a:rPr>
-              <a:t>        val child = launch(handler) {</a:t>
-            </a:r>
-            <a:endParaRPr lang="zh-CN" altLang="en-US">
-              <a:solidFill>
-                <a:schemeClr val="bg2"/>
-              </a:solidFill>
-              <a:effectLst>
-                <a:innerShdw blurRad="63500" dist="50800" dir="13500000">
-                  <a:srgbClr val="000000">
-                    <a:alpha val="50000"/>
-                  </a:srgbClr>
-                </a:innerShdw>
-              </a:effectLst>
-              <a:latin typeface="华文新魏" panose="02010800040101010101" charset="-122"/>
-              <a:ea typeface="华文新魏" panose="02010800040101010101" charset="-122"/>
-              <a:cs typeface="华文新魏" panose="02010800040101010101" charset="-122"/>
-            </a:endParaRPr>
-          </a:p>
-          <a:p>
-            <a:r>
-              <a:rPr lang="zh-CN" altLang="en-US">
-                <a:solidFill>
-                  <a:schemeClr val="bg2"/>
-                </a:solidFill>
-                <a:effectLst>
-                  <a:innerShdw blurRad="63500" dist="50800" dir="13500000">
-                    <a:srgbClr val="000000">
-                      <a:alpha val="50000"/>
-                    </a:srgbClr>
-                  </a:innerShdw>
-                </a:effectLst>
-                <a:latin typeface="华文新魏" panose="02010800040101010101" charset="-122"/>
-                <a:ea typeface="华文新魏" panose="02010800040101010101" charset="-122"/>
-                <a:cs typeface="华文新魏" panose="02010800040101010101" charset="-122"/>
-              </a:rPr>
-              <a:t>            println("The child throws an exception")</a:t>
-            </a:r>
-            <a:endParaRPr lang="zh-CN" altLang="en-US">
-              <a:solidFill>
-                <a:schemeClr val="bg2"/>
-              </a:solidFill>
-              <a:effectLst>
-                <a:innerShdw blurRad="63500" dist="50800" dir="13500000">
-                  <a:srgbClr val="000000">
-                    <a:alpha val="50000"/>
-                  </a:srgbClr>
-                </a:innerShdw>
-              </a:effectLst>
-              <a:latin typeface="华文新魏" panose="02010800040101010101" charset="-122"/>
-              <a:ea typeface="华文新魏" panose="02010800040101010101" charset="-122"/>
-              <a:cs typeface="华文新魏" panose="02010800040101010101" charset="-122"/>
-            </a:endParaRPr>
-          </a:p>
-          <a:p>
-            <a:r>
-              <a:rPr lang="zh-CN" altLang="en-US">
-                <a:solidFill>
-                  <a:schemeClr val="bg2"/>
-                </a:solidFill>
-                <a:effectLst>
-                  <a:innerShdw blurRad="63500" dist="50800" dir="13500000">
-                    <a:srgbClr val="000000">
-                      <a:alpha val="50000"/>
-                    </a:srgbClr>
-                  </a:innerShdw>
-                </a:effectLst>
-                <a:latin typeface="华文新魏" panose="02010800040101010101" charset="-122"/>
-                <a:ea typeface="华文新魏" panose="02010800040101010101" charset="-122"/>
-                <a:cs typeface="华文新魏" panose="02010800040101010101" charset="-122"/>
-              </a:rPr>
-              <a:t>            throw AssertionError()</a:t>
-            </a:r>
-            <a:endParaRPr lang="zh-CN" altLang="en-US">
-              <a:solidFill>
-                <a:schemeClr val="bg2"/>
-              </a:solidFill>
-              <a:effectLst>
-                <a:innerShdw blurRad="63500" dist="50800" dir="13500000">
-                  <a:srgbClr val="000000">
-                    <a:alpha val="50000"/>
-                  </a:srgbClr>
-                </a:innerShdw>
-              </a:effectLst>
-              <a:latin typeface="华文新魏" panose="02010800040101010101" charset="-122"/>
-              <a:ea typeface="华文新魏" panose="02010800040101010101" charset="-122"/>
-              <a:cs typeface="华文新魏" panose="02010800040101010101" charset="-122"/>
-            </a:endParaRPr>
-          </a:p>
-          <a:p>
-            <a:r>
-              <a:rPr lang="zh-CN" altLang="en-US">
-                <a:solidFill>
-                  <a:schemeClr val="bg2"/>
-                </a:solidFill>
-                <a:effectLst>
-                  <a:innerShdw blurRad="63500" dist="50800" dir="13500000">
-                    <a:srgbClr val="000000">
-                      <a:alpha val="50000"/>
-                    </a:srgbClr>
-                  </a:innerShdw>
-                </a:effectLst>
-                <a:latin typeface="华文新魏" panose="02010800040101010101" charset="-122"/>
-                <a:ea typeface="华文新魏" panose="02010800040101010101" charset="-122"/>
-                <a:cs typeface="华文新魏" panose="02010800040101010101" charset="-122"/>
-              </a:rPr>
-              <a:t>        }</a:t>
-            </a:r>
-            <a:endParaRPr lang="zh-CN" altLang="en-US">
-              <a:solidFill>
-                <a:schemeClr val="bg2"/>
-              </a:solidFill>
-              <a:effectLst>
-                <a:innerShdw blurRad="63500" dist="50800" dir="13500000">
-                  <a:srgbClr val="000000">
-                    <a:alpha val="50000"/>
-                  </a:srgbClr>
-                </a:innerShdw>
-              </a:effectLst>
-              <a:latin typeface="华文新魏" panose="02010800040101010101" charset="-122"/>
-              <a:ea typeface="华文新魏" panose="02010800040101010101" charset="-122"/>
-              <a:cs typeface="华文新魏" panose="02010800040101010101" charset="-122"/>
-            </a:endParaRPr>
-          </a:p>
-          <a:p>
-            <a:r>
-              <a:rPr lang="zh-CN" altLang="en-US">
-                <a:solidFill>
-                  <a:schemeClr val="bg2"/>
-                </a:solidFill>
-                <a:effectLst>
-                  <a:innerShdw blurRad="63500" dist="50800" dir="13500000">
-                    <a:srgbClr val="000000">
-                      <a:alpha val="50000"/>
-                    </a:srgbClr>
-                  </a:innerShdw>
-                </a:effectLst>
-                <a:latin typeface="华文新魏" panose="02010800040101010101" charset="-122"/>
-                <a:ea typeface="华文新魏" panose="02010800040101010101" charset="-122"/>
-                <a:cs typeface="华文新魏" panose="02010800040101010101" charset="-122"/>
-              </a:rPr>
-              <a:t>        println("The scope is completing")</a:t>
-            </a:r>
-            <a:endParaRPr lang="zh-CN" altLang="en-US">
-              <a:solidFill>
-                <a:schemeClr val="bg2"/>
-              </a:solidFill>
-              <a:effectLst>
-                <a:innerShdw blurRad="63500" dist="50800" dir="13500000">
-                  <a:srgbClr val="000000">
-                    <a:alpha val="50000"/>
-                  </a:srgbClr>
-                </a:innerShdw>
-              </a:effectLst>
-              <a:latin typeface="华文新魏" panose="02010800040101010101" charset="-122"/>
-              <a:ea typeface="华文新魏" panose="02010800040101010101" charset="-122"/>
-              <a:cs typeface="华文新魏" panose="02010800040101010101" charset="-122"/>
-            </a:endParaRPr>
-          </a:p>
-          <a:p>
-            <a:r>
-              <a:rPr lang="zh-CN" altLang="en-US">
-                <a:solidFill>
-                  <a:schemeClr val="bg2"/>
-                </a:solidFill>
-                <a:effectLst>
-                  <a:innerShdw blurRad="63500" dist="50800" dir="13500000">
-                    <a:srgbClr val="000000">
-                      <a:alpha val="50000"/>
-                    </a:srgbClr>
-                  </a:innerShdw>
-                </a:effectLst>
-                <a:latin typeface="华文新魏" panose="02010800040101010101" charset="-122"/>
-                <a:ea typeface="华文新魏" panose="02010800040101010101" charset="-122"/>
-                <a:cs typeface="华文新魏" panose="02010800040101010101" charset="-122"/>
-              </a:rPr>
               <a:t>    }</a:t>
-            </a:r>
-            <a:endParaRPr lang="zh-CN" altLang="en-US">
-              <a:solidFill>
-                <a:schemeClr val="bg2"/>
-              </a:solidFill>
-              <a:effectLst>
-                <a:innerShdw blurRad="63500" dist="50800" dir="13500000">
-                  <a:srgbClr val="000000">
-                    <a:alpha val="50000"/>
-                  </a:srgbClr>
-                </a:innerShdw>
-              </a:effectLst>
-              <a:latin typeface="华文新魏" panose="02010800040101010101" charset="-122"/>
-              <a:ea typeface="华文新魏" panose="02010800040101010101" charset="-122"/>
-              <a:cs typeface="华文新魏" panose="02010800040101010101" charset="-122"/>
-            </a:endParaRPr>
-          </a:p>
-          <a:p>
-            <a:r>
-              <a:rPr lang="zh-CN" altLang="en-US">
-                <a:solidFill>
-                  <a:schemeClr val="bg2"/>
-                </a:solidFill>
-                <a:effectLst>
-                  <a:innerShdw blurRad="63500" dist="50800" dir="13500000">
-                    <a:srgbClr val="000000">
-                      <a:alpha val="50000"/>
-                    </a:srgbClr>
-                  </a:innerShdw>
-                </a:effectLst>
-                <a:latin typeface="华文新魏" panose="02010800040101010101" charset="-122"/>
-                <a:ea typeface="华文新魏" panose="02010800040101010101" charset="-122"/>
-                <a:cs typeface="华文新魏" panose="02010800040101010101" charset="-122"/>
-              </a:rPr>
-              <a:t>    println("The scope is completed")</a:t>
-            </a:r>
-            <a:endParaRPr lang="zh-CN" altLang="en-US">
-              <a:solidFill>
-                <a:schemeClr val="bg2"/>
-              </a:solidFill>
-              <a:effectLst>
-                <a:innerShdw blurRad="63500" dist="50800" dir="13500000">
-                  <a:srgbClr val="000000">
-                    <a:alpha val="50000"/>
-                  </a:srgbClr>
-                </a:innerShdw>
-              </a:effectLst>
-              <a:latin typeface="华文新魏" panose="02010800040101010101" charset="-122"/>
-              <a:ea typeface="华文新魏" panose="02010800040101010101" charset="-122"/>
-              <a:cs typeface="华文新魏" panose="02010800040101010101" charset="-122"/>
-            </a:endParaRPr>
-          </a:p>
-          <a:p>
-            <a:r>
-              <a:rPr lang="zh-CN" altLang="en-US">
-                <a:solidFill>
-                  <a:schemeClr val="bg2"/>
-                </a:solidFill>
-                <a:effectLst>
-                  <a:innerShdw blurRad="63500" dist="50800" dir="13500000">
-                    <a:srgbClr val="000000">
-                      <a:alpha val="50000"/>
-                    </a:srgbClr>
-                  </a:innerShdw>
-                </a:effectLst>
-                <a:latin typeface="华文新魏" panose="02010800040101010101" charset="-122"/>
-                <a:ea typeface="华文新魏" panose="02010800040101010101" charset="-122"/>
-                <a:cs typeface="华文新魏" panose="02010800040101010101" charset="-122"/>
-              </a:rPr>
-              <a:t>}</a:t>
-            </a:r>
-            <a:endParaRPr lang="zh-CN" altLang="en-US">
-              <a:solidFill>
-                <a:schemeClr val="bg2"/>
-              </a:solidFill>
-              <a:effectLst>
-                <a:innerShdw blurRad="63500" dist="50800" dir="13500000">
-                  <a:srgbClr val="000000">
-                    <a:alpha val="50000"/>
-                  </a:srgbClr>
-                </a:innerShdw>
-              </a:effectLst>
-              <a:latin typeface="华文新魏" panose="02010800040101010101" charset="-122"/>
-              <a:ea typeface="华文新魏" panose="02010800040101010101" charset="-122"/>
-              <a:cs typeface="华文新魏" panose="02010800040101010101" charset="-122"/>
-            </a:endParaRPr>
-          </a:p>
-        </p:txBody>
-      </p:sp>
-      <p:sp>
-        <p:nvSpPr>
-          <p:cNvPr id="5" name="文本框 4"/>
-          <p:cNvSpPr txBox="1"/>
-          <p:nvPr/>
-        </p:nvSpPr>
-        <p:spPr>
-          <a:xfrm>
-            <a:off x="7207250" y="2316480"/>
-            <a:ext cx="4408805" cy="922020"/>
-          </a:xfrm>
-          <a:prstGeom prst="rect">
-            <a:avLst/>
-          </a:prstGeom>
-          <a:noFill/>
-        </p:spPr>
-        <p:txBody>
-          <a:bodyPr wrap="square" rtlCol="0">
-            <a:spAutoFit/>
-          </a:bodyPr>
-          <a:p>
-            <a:r>
-              <a:rPr lang="zh-CN" altLang="en-US">
-                <a:solidFill>
-                  <a:schemeClr val="bg2"/>
-                </a:solidFill>
-                <a:effectLst>
-                  <a:innerShdw blurRad="63500" dist="50800" dir="13500000">
-                    <a:srgbClr val="000000">
-                      <a:alpha val="50000"/>
-                    </a:srgbClr>
-                  </a:innerShdw>
-                </a:effectLst>
-                <a:latin typeface="华文新魏" panose="02010800040101010101" charset="-122"/>
-                <a:ea typeface="华文新魏" panose="02010800040101010101" charset="-122"/>
-                <a:cs typeface="华文新魏" panose="02010800040101010101" charset="-122"/>
-              </a:rPr>
-              <a:t>一般的协程是双向传递异常的 </a:t>
-            </a:r>
-            <a:endParaRPr lang="zh-CN" altLang="en-US">
-              <a:solidFill>
-                <a:schemeClr val="bg2"/>
-              </a:solidFill>
-              <a:effectLst>
-                <a:innerShdw blurRad="63500" dist="50800" dir="13500000">
-                  <a:srgbClr val="000000">
-                    <a:alpha val="50000"/>
-                  </a:srgbClr>
-                </a:innerShdw>
-              </a:effectLst>
-              <a:latin typeface="华文新魏" panose="02010800040101010101" charset="-122"/>
-              <a:ea typeface="华文新魏" panose="02010800040101010101" charset="-122"/>
-              <a:cs typeface="华文新魏" panose="02010800040101010101" charset="-122"/>
-            </a:endParaRPr>
-          </a:p>
-          <a:p>
-            <a:endParaRPr lang="zh-CN" altLang="en-US">
-              <a:solidFill>
-                <a:schemeClr val="bg2"/>
-              </a:solidFill>
-              <a:effectLst>
-                <a:innerShdw blurRad="63500" dist="50800" dir="13500000">
-                  <a:srgbClr val="000000">
-                    <a:alpha val="50000"/>
-                  </a:srgbClr>
-                </a:innerShdw>
-              </a:effectLst>
-              <a:latin typeface="华文新魏" panose="02010800040101010101" charset="-122"/>
-              <a:ea typeface="华文新魏" panose="02010800040101010101" charset="-122"/>
-              <a:cs typeface="华文新魏" panose="02010800040101010101" charset="-122"/>
-            </a:endParaRPr>
-          </a:p>
-          <a:p>
-            <a:r>
-              <a:rPr lang="zh-CN" altLang="en-US">
-                <a:solidFill>
-                  <a:schemeClr val="bg2"/>
-                </a:solidFill>
-                <a:effectLst>
-                  <a:innerShdw blurRad="63500" dist="50800" dir="13500000">
-                    <a:srgbClr val="000000">
-                      <a:alpha val="50000"/>
-                    </a:srgbClr>
-                  </a:innerShdw>
-                </a:effectLst>
-                <a:latin typeface="华文新魏" panose="02010800040101010101" charset="-122"/>
-                <a:ea typeface="华文新魏" panose="02010800040101010101" charset="-122"/>
-                <a:cs typeface="华文新魏" panose="02010800040101010101" charset="-122"/>
-              </a:rPr>
-              <a:t>supervisorScope 异常单向传递</a:t>
             </a:r>
             <a:endParaRPr lang="zh-CN" altLang="en-US">
               <a:solidFill>
@@ -13713,89 +14245,9 @@
   <p:timing>
     <p:tnLst>
       <p:par>
-        <p:cTn id="1" dur="indefinite" restart="never" nodeType="tmRoot">
-          <p:childTnLst>
-            <p:seq concurrent="1" nextAc="seek">
-              <p:cTn id="2" dur="indefinite" nodeType="mainSeq">
-                <p:childTnLst>
-                  <p:par>
-                    <p:cTn id="3" fill="hold">
-                      <p:stCondLst>
-                        <p:cond delay="indefinite"/>
-                      </p:stCondLst>
-                      <p:childTnLst>
-                        <p:par>
-                          <p:cTn id="4" fill="hold">
-                            <p:stCondLst>
-                              <p:cond delay="0"/>
-                            </p:stCondLst>
-                            <p:childTnLst>
-                              <p:par>
-                                <p:cTn id="5" presetID="4" presetClass="entr" presetSubtype="16" fill="hold" grpId="0" nodeType="clickEffect">
-                                  <p:stCondLst>
-                                    <p:cond delay="0"/>
-                                  </p:stCondLst>
-                                  <p:childTnLst>
-                                    <p:set>
-                                      <p:cBhvr>
-                                        <p:cTn id="6" dur="1" fill="hold">
-                                          <p:stCondLst>
-                                            <p:cond delay="0"/>
-                                          </p:stCondLst>
-                                        </p:cTn>
-                                        <p:tgtEl>
-                                          <p:spTgt spid="5"/>
-                                        </p:tgtEl>
-                                        <p:attrNameLst>
-                                          <p:attrName>style.visibility</p:attrName>
-                                        </p:attrNameLst>
-                                      </p:cBhvr>
-                                      <p:to>
-                                        <p:strVal val="visible"/>
-                                      </p:to>
-                                    </p:set>
-                                    <p:animEffect transition="in" filter="box(in)">
-                                      <p:cBhvr>
-                                        <p:cTn id="7" dur="2000"/>
-                                        <p:tgtEl>
-                                          <p:spTgt spid="5"/>
-                                        </p:tgtEl>
-                                      </p:cBhvr>
-                                    </p:animEffect>
-                                  </p:childTnLst>
-                                </p:cTn>
-                              </p:par>
-                            </p:childTnLst>
-                          </p:cTn>
-                        </p:par>
-                      </p:childTnLst>
-                    </p:cTn>
-                  </p:par>
-                </p:childTnLst>
-              </p:cTn>
-              <p:prevCondLst>
-                <p:cond evt="onPrev" delay="0">
-                  <p:tgtEl>
-                    <p:sldTgt/>
-                  </p:tgtEl>
-                </p:cond>
-              </p:prevCondLst>
-              <p:nextCondLst>
-                <p:cond evt="onNext" delay="0">
-                  <p:tgtEl>
-                    <p:sldTgt/>
-                  </p:tgtEl>
-                </p:cond>
-              </p:nextCondLst>
-            </p:seq>
-          </p:childTnLst>
-        </p:cTn>
+        <p:cTn id="1" dur="indefinite" restart="never" nodeType="tmRoot"/>
       </p:par>
     </p:tnLst>
-    <p:bldLst>
-      <p:bldP spid="5" grpId="0"/>
-      <p:bldP spid="5" grpId="1"/>
-    </p:bldLst>
   </p:timing>
 </p:sld>
 </file>
